--- a/任务3.pptx
+++ b/任务3.pptx
@@ -5454,14 +5454,14 @@
           <p:nvPr>
             <p:extLst>
               <p:ext uri="{D42A27DB-BD31-4B8C-83A1-F6EECF244321}">
-                <p14:modId xmlns:p14="http://schemas.microsoft.com/office/powerpoint/2010/main" val="497375487"/>
+                <p14:modId xmlns:p14="http://schemas.microsoft.com/office/powerpoint/2010/main" val="1769921309"/>
               </p:ext>
             </p:extLst>
           </p:nvPr>
         </p:nvGraphicFramePr>
         <p:xfrm>
-          <a:off x="380703" y="955111"/>
-          <a:ext cx="12097344" cy="5904654"/>
+          <a:off x="380703" y="1184639"/>
+          <a:ext cx="12097344" cy="4902876"/>
         </p:xfrm>
         <a:graphic>
           <a:graphicData uri="http://schemas.openxmlformats.org/drawingml/2006/table">
@@ -5906,120 +5906,6 @@
                           <a:cs typeface="Times New Roman" panose="02020603050405020304" pitchFamily="18" charset="0"/>
                           <a:sym typeface="微软雅黑" panose="020B0503020204020204" pitchFamily="34" charset="-122"/>
                         </a:rPr>
-                        <a:t>glm-4-9b-chat</a:t>
-                      </a:r>
-                    </a:p>
-                    <a:p>
-                      <a:pPr algn="ctr"/>
-                      <a:endParaRPr lang="zh-CN" altLang="en-US" sz="2000" dirty="0">
-                        <a:latin typeface="微软雅黑" panose="020B0503020204020204" pitchFamily="34" charset="-122"/>
-                        <a:ea typeface="微软雅黑" panose="020B0503020204020204" pitchFamily="34" charset="-122"/>
-                        <a:cs typeface="Times New Roman" panose="02020603050405020304" pitchFamily="18" charset="0"/>
-                      </a:endParaRPr>
-                    </a:p>
-                  </a:txBody>
-                  <a:tcPr anchor="ctr"/>
-                </a:tc>
-                <a:tc>
-                  <a:txBody>
-                    <a:bodyPr/>
-                    <a:lstStyle/>
-                    <a:p>
-                      <a:pPr algn="ctr"/>
-                      <a:r>
-                        <a:rPr lang="en-US" altLang="zh-CN" sz="2000" dirty="0">
-                          <a:latin typeface="微软雅黑" panose="020B0503020204020204" pitchFamily="34" charset="-122"/>
-                          <a:ea typeface="微软雅黑" panose="020B0503020204020204" pitchFamily="34" charset="-122"/>
-                          <a:cs typeface="Times New Roman" panose="02020603050405020304" pitchFamily="18" charset="0"/>
-                          <a:hlinkClick r:id="rId11"/>
-                        </a:rPr>
-                        <a:t>https://huggingface.co/THUDM/glm-4-9b-chat</a:t>
-                      </a:r>
-                      <a:r>
-                        <a:rPr lang="en-US" altLang="zh-CN" sz="2000" dirty="0">
-                          <a:latin typeface="微软雅黑" panose="020B0503020204020204" pitchFamily="34" charset="-122"/>
-                          <a:ea typeface="微软雅黑" panose="020B0503020204020204" pitchFamily="34" charset="-122"/>
-                          <a:cs typeface="Times New Roman" panose="02020603050405020304" pitchFamily="18" charset="0"/>
-                        </a:rPr>
-                        <a:t> </a:t>
-                      </a:r>
-                      <a:endParaRPr lang="zh-CN" altLang="en-US" sz="2000" dirty="0">
-                        <a:latin typeface="微软雅黑" panose="020B0503020204020204" pitchFamily="34" charset="-122"/>
-                        <a:ea typeface="微软雅黑" panose="020B0503020204020204" pitchFamily="34" charset="-122"/>
-                        <a:cs typeface="Times New Roman" panose="02020603050405020304" pitchFamily="18" charset="0"/>
-                      </a:endParaRPr>
-                    </a:p>
-                  </a:txBody>
-                  <a:tcPr anchor="ctr"/>
-                </a:tc>
-                <a:tc>
-                  <a:txBody>
-                    <a:bodyPr/>
-                    <a:lstStyle/>
-                    <a:p>
-                      <a:pPr algn="ctr"/>
-                      <a:r>
-                        <a:rPr lang="en-US" altLang="zh-CN" sz="2000" dirty="0">
-                          <a:latin typeface="微软雅黑" panose="020B0503020204020204" pitchFamily="34" charset="-122"/>
-                          <a:ea typeface="微软雅黑" panose="020B0503020204020204" pitchFamily="34" charset="-122"/>
-                          <a:cs typeface="Times New Roman" panose="02020603050405020304" pitchFamily="18" charset="0"/>
-                          <a:hlinkClick r:id="rId12"/>
-                        </a:rPr>
-                        <a:t>https://www.modelscope.cn/models/zhipuai/glm-4-9b-chat</a:t>
-                      </a:r>
-                      <a:r>
-                        <a:rPr lang="en-US" altLang="zh-CN" sz="2000" dirty="0">
-                          <a:latin typeface="微软雅黑" panose="020B0503020204020204" pitchFamily="34" charset="-122"/>
-                          <a:ea typeface="微软雅黑" panose="020B0503020204020204" pitchFamily="34" charset="-122"/>
-                          <a:cs typeface="Times New Roman" panose="02020603050405020304" pitchFamily="18" charset="0"/>
-                        </a:rPr>
-                        <a:t> </a:t>
-                      </a:r>
-                      <a:endParaRPr lang="zh-CN" altLang="en-US" sz="2000" dirty="0">
-                        <a:latin typeface="微软雅黑" panose="020B0503020204020204" pitchFamily="34" charset="-122"/>
-                        <a:ea typeface="微软雅黑" panose="020B0503020204020204" pitchFamily="34" charset="-122"/>
-                        <a:cs typeface="Times New Roman" panose="02020603050405020304" pitchFamily="18" charset="0"/>
-                      </a:endParaRPr>
-                    </a:p>
-                  </a:txBody>
-                  <a:tcPr anchor="ctr"/>
-                </a:tc>
-                <a:extLst>
-                  <a:ext uri="{0D108BD9-81ED-4DB2-BD59-A6C34878D82A}">
-                    <a16:rowId xmlns:a16="http://schemas.microsoft.com/office/drawing/2014/main" val="3978876036"/>
-                  </a:ext>
-                </a:extLst>
-              </a:tr>
-              <a:tr h="1001778">
-                <a:tc>
-                  <a:txBody>
-                    <a:bodyPr/>
-                    <a:lstStyle/>
-                    <a:p>
-                      <a:pPr marL="0" marR="0" lvl="0" indent="0" algn="ctr" defTabSz="963930" rtl="0" eaLnBrk="1" fontAlgn="auto" latinLnBrk="0" hangingPunct="1">
-                        <a:lnSpc>
-                          <a:spcPct val="100000"/>
-                        </a:lnSpc>
-                        <a:spcBef>
-                          <a:spcPts val="0"/>
-                        </a:spcBef>
-                        <a:spcAft>
-                          <a:spcPts val="0"/>
-                        </a:spcAft>
-                        <a:buClrTx/>
-                        <a:buSzTx/>
-                        <a:buFontTx/>
-                        <a:buNone/>
-                        <a:tabLst/>
-                        <a:defRPr/>
-                      </a:pPr>
-                      <a:r>
-                        <a:rPr lang="en-US" altLang="zh-CN" sz="2000" dirty="0">
-                          <a:latin typeface="微软雅黑" panose="020B0503020204020204" pitchFamily="34" charset="-122"/>
-                          <a:ea typeface="微软雅黑" panose="020B0503020204020204" pitchFamily="34" charset="-122"/>
-                          <a:cs typeface="Times New Roman" panose="02020603050405020304" pitchFamily="18" charset="0"/>
-                          <a:sym typeface="微软雅黑" panose="020B0503020204020204" pitchFamily="34" charset="-122"/>
-                        </a:rPr>
                         <a:t>Qwen2-7B-Instruct</a:t>
                       </a:r>
                     </a:p>
@@ -6061,7 +5947,7 @@
                           <a:latin typeface="微软雅黑" panose="020B0503020204020204" pitchFamily="34" charset="-122"/>
                           <a:ea typeface="微软雅黑" panose="020B0503020204020204" pitchFamily="34" charset="-122"/>
                           <a:cs typeface="Times New Roman" panose="02020603050405020304" pitchFamily="18" charset="0"/>
-                          <a:hlinkClick r:id="rId13"/>
+                          <a:hlinkClick r:id="rId11"/>
                         </a:rPr>
                         <a:t>https://huggingface.co/Qwen/Qwen2-7B-Instruct</a:t>
                       </a:r>
@@ -6093,7 +5979,7 @@
                           <a:latin typeface="微软雅黑" panose="020B0503020204020204" pitchFamily="34" charset="-122"/>
                           <a:ea typeface="微软雅黑" panose="020B0503020204020204" pitchFamily="34" charset="-122"/>
                           <a:cs typeface="Times New Roman" panose="02020603050405020304" pitchFamily="18" charset="0"/>
-                          <a:hlinkClick r:id="rId14"/>
+                          <a:hlinkClick r:id="rId12"/>
                         </a:rPr>
                         <a:t>https://www.modelscope.cn/models/qwen/qwen2-7b-instruct</a:t>
                       </a:r>

--- a/任务3.pptx
+++ b/任务3.pptx
@@ -6,23 +6,20 @@
     <p:sldMasterId id="2147483653" r:id="rId2"/>
   </p:sldMasterIdLst>
   <p:notesMasterIdLst>
-    <p:notesMasterId r:id="rId9"/>
+    <p:notesMasterId r:id="rId6"/>
   </p:notesMasterIdLst>
   <p:handoutMasterIdLst>
-    <p:handoutMasterId r:id="rId10"/>
+    <p:handoutMasterId r:id="rId7"/>
   </p:handoutMasterIdLst>
   <p:sldIdLst>
     <p:sldId id="8261" r:id="rId3"/>
     <p:sldId id="8266" r:id="rId4"/>
     <p:sldId id="8268" r:id="rId5"/>
-    <p:sldId id="8270" r:id="rId6"/>
-    <p:sldId id="8272" r:id="rId7"/>
-    <p:sldId id="8271" r:id="rId8"/>
   </p:sldIdLst>
   <p:sldSz cx="12858750" cy="7232650"/>
   <p:notesSz cx="6858000" cy="9144000"/>
   <p:custDataLst>
-    <p:tags r:id="rId11"/>
+    <p:tags r:id="rId8"/>
   </p:custDataLst>
   <p:defaultTextStyle>
     <a:defPPr>
@@ -283,7 +280,7 @@
               <a:rPr lang="zh-CN" altLang="en-US" smtClean="0">
                 <a:latin typeface="微软雅黑" panose="020B0503020204020204" pitchFamily="34" charset="-122"/>
               </a:rPr>
-              <a:t>2024/11/12</a:t>
+              <a:t>2024-11-12</a:t>
             </a:fld>
             <a:endParaRPr lang="zh-CN" altLang="en-US" dirty="0">
               <a:latin typeface="微软雅黑" panose="020B0503020204020204" pitchFamily="34" charset="-122"/>
@@ -466,7 +463,7 @@
             </a:pPr>
             <a:fld id="{06024D97-E667-405D-B634-E583E2108D71}" type="datetimeFigureOut">
               <a:rPr lang="zh-CN" altLang="en-US" smtClean="0"/>
-              <a:t>2024/11/12</a:t>
+              <a:t>2024-11-12</a:t>
             </a:fld>
             <a:endParaRPr lang="zh-CN" altLang="en-US" dirty="0"/>
           </a:p>
@@ -1018,258 +1015,6 @@
 </p:notes>
 </file>
 
-<file path=ppt/notesSlides/notesSlide4.xml><?xml version="1.0" encoding="utf-8"?>
-<p:notes xmlns:a="http://schemas.openxmlformats.org/drawingml/2006/main" xmlns:r="http://schemas.openxmlformats.org/officeDocument/2006/relationships" xmlns:p="http://schemas.openxmlformats.org/presentationml/2006/main">
-  <p:cSld>
-    <p:spTree>
-      <p:nvGrpSpPr>
-        <p:cNvPr id="1" name=""/>
-        <p:cNvGrpSpPr/>
-        <p:nvPr/>
-      </p:nvGrpSpPr>
-      <p:grpSpPr>
-        <a:xfrm>
-          <a:off x="0" y="0"/>
-          <a:ext cx="0" cy="0"/>
-          <a:chOff x="0" y="0"/>
-          <a:chExt cx="0" cy="0"/>
-        </a:xfrm>
-      </p:grpSpPr>
-      <p:sp>
-        <p:nvSpPr>
-          <p:cNvPr id="2" name="幻灯片图像占位符 1"/>
-          <p:cNvSpPr>
-            <a:spLocks noGrp="1" noRot="1" noChangeAspect="1"/>
-          </p:cNvSpPr>
-          <p:nvPr>
-            <p:ph type="sldImg"/>
-          </p:nvPr>
-        </p:nvSpPr>
-        <p:spPr/>
-      </p:sp>
-      <p:sp>
-        <p:nvSpPr>
-          <p:cNvPr id="3" name="备注占位符 2"/>
-          <p:cNvSpPr>
-            <a:spLocks noGrp="1"/>
-          </p:cNvSpPr>
-          <p:nvPr>
-            <p:ph type="body" idx="1"/>
-          </p:nvPr>
-        </p:nvSpPr>
-        <p:spPr/>
-        <p:txBody>
-          <a:bodyPr/>
-          <a:lstStyle/>
-          <a:p>
-            <a:endParaRPr lang="zh-CN" altLang="en-US" dirty="0"/>
-          </a:p>
-        </p:txBody>
-      </p:sp>
-      <p:sp>
-        <p:nvSpPr>
-          <p:cNvPr id="4" name="灯片编号占位符 3"/>
-          <p:cNvSpPr>
-            <a:spLocks noGrp="1"/>
-          </p:cNvSpPr>
-          <p:nvPr>
-            <p:ph type="sldNum" sz="quarter" idx="5"/>
-          </p:nvPr>
-        </p:nvSpPr>
-        <p:spPr/>
-        <p:txBody>
-          <a:bodyPr/>
-          <a:lstStyle/>
-          <a:p>
-            <a:fld id="{418F03C3-53C1-4F10-8DAF-D1F318E96C6E}" type="slidenum">
-              <a:rPr lang="zh-CN" altLang="en-US" smtClean="0"/>
-              <a:t>4</a:t>
-            </a:fld>
-            <a:endParaRPr lang="zh-CN" altLang="en-US" dirty="0"/>
-          </a:p>
-        </p:txBody>
-      </p:sp>
-    </p:spTree>
-    <p:extLst>
-      <p:ext uri="{BB962C8B-B14F-4D97-AF65-F5344CB8AC3E}">
-        <p14:creationId xmlns:p14="http://schemas.microsoft.com/office/powerpoint/2010/main" val="1061844595"/>
-      </p:ext>
-    </p:extLst>
-  </p:cSld>
-  <p:clrMapOvr>
-    <a:masterClrMapping/>
-  </p:clrMapOvr>
-</p:notes>
-</file>
-
-<file path=ppt/notesSlides/notesSlide5.xml><?xml version="1.0" encoding="utf-8"?>
-<p:notes xmlns:a="http://schemas.openxmlformats.org/drawingml/2006/main" xmlns:r="http://schemas.openxmlformats.org/officeDocument/2006/relationships" xmlns:p="http://schemas.openxmlformats.org/presentationml/2006/main">
-  <p:cSld>
-    <p:spTree>
-      <p:nvGrpSpPr>
-        <p:cNvPr id="1" name=""/>
-        <p:cNvGrpSpPr/>
-        <p:nvPr/>
-      </p:nvGrpSpPr>
-      <p:grpSpPr>
-        <a:xfrm>
-          <a:off x="0" y="0"/>
-          <a:ext cx="0" cy="0"/>
-          <a:chOff x="0" y="0"/>
-          <a:chExt cx="0" cy="0"/>
-        </a:xfrm>
-      </p:grpSpPr>
-      <p:sp>
-        <p:nvSpPr>
-          <p:cNvPr id="2" name="幻灯片图像占位符 1"/>
-          <p:cNvSpPr>
-            <a:spLocks noGrp="1" noRot="1" noChangeAspect="1"/>
-          </p:cNvSpPr>
-          <p:nvPr>
-            <p:ph type="sldImg"/>
-          </p:nvPr>
-        </p:nvSpPr>
-        <p:spPr/>
-      </p:sp>
-      <p:sp>
-        <p:nvSpPr>
-          <p:cNvPr id="3" name="备注占位符 2"/>
-          <p:cNvSpPr>
-            <a:spLocks noGrp="1"/>
-          </p:cNvSpPr>
-          <p:nvPr>
-            <p:ph type="body" idx="1"/>
-          </p:nvPr>
-        </p:nvSpPr>
-        <p:spPr/>
-        <p:txBody>
-          <a:bodyPr/>
-          <a:lstStyle/>
-          <a:p>
-            <a:endParaRPr lang="zh-CN" altLang="en-US" dirty="0"/>
-          </a:p>
-        </p:txBody>
-      </p:sp>
-      <p:sp>
-        <p:nvSpPr>
-          <p:cNvPr id="4" name="灯片编号占位符 3"/>
-          <p:cNvSpPr>
-            <a:spLocks noGrp="1"/>
-          </p:cNvSpPr>
-          <p:nvPr>
-            <p:ph type="sldNum" sz="quarter" idx="5"/>
-          </p:nvPr>
-        </p:nvSpPr>
-        <p:spPr/>
-        <p:txBody>
-          <a:bodyPr/>
-          <a:lstStyle/>
-          <a:p>
-            <a:fld id="{418F03C3-53C1-4F10-8DAF-D1F318E96C6E}" type="slidenum">
-              <a:rPr lang="zh-CN" altLang="en-US" smtClean="0"/>
-              <a:t>5</a:t>
-            </a:fld>
-            <a:endParaRPr lang="zh-CN" altLang="en-US" dirty="0"/>
-          </a:p>
-        </p:txBody>
-      </p:sp>
-    </p:spTree>
-    <p:extLst>
-      <p:ext uri="{BB962C8B-B14F-4D97-AF65-F5344CB8AC3E}">
-        <p14:creationId xmlns:p14="http://schemas.microsoft.com/office/powerpoint/2010/main" val="3622065035"/>
-      </p:ext>
-    </p:extLst>
-  </p:cSld>
-  <p:clrMapOvr>
-    <a:masterClrMapping/>
-  </p:clrMapOvr>
-</p:notes>
-</file>
-
-<file path=ppt/notesSlides/notesSlide6.xml><?xml version="1.0" encoding="utf-8"?>
-<p:notes xmlns:a="http://schemas.openxmlformats.org/drawingml/2006/main" xmlns:r="http://schemas.openxmlformats.org/officeDocument/2006/relationships" xmlns:p="http://schemas.openxmlformats.org/presentationml/2006/main">
-  <p:cSld>
-    <p:spTree>
-      <p:nvGrpSpPr>
-        <p:cNvPr id="1" name=""/>
-        <p:cNvGrpSpPr/>
-        <p:nvPr/>
-      </p:nvGrpSpPr>
-      <p:grpSpPr>
-        <a:xfrm>
-          <a:off x="0" y="0"/>
-          <a:ext cx="0" cy="0"/>
-          <a:chOff x="0" y="0"/>
-          <a:chExt cx="0" cy="0"/>
-        </a:xfrm>
-      </p:grpSpPr>
-      <p:sp>
-        <p:nvSpPr>
-          <p:cNvPr id="2" name="幻灯片图像占位符 1"/>
-          <p:cNvSpPr>
-            <a:spLocks noGrp="1" noRot="1" noChangeAspect="1"/>
-          </p:cNvSpPr>
-          <p:nvPr>
-            <p:ph type="sldImg"/>
-          </p:nvPr>
-        </p:nvSpPr>
-        <p:spPr/>
-      </p:sp>
-      <p:sp>
-        <p:nvSpPr>
-          <p:cNvPr id="3" name="备注占位符 2"/>
-          <p:cNvSpPr>
-            <a:spLocks noGrp="1"/>
-          </p:cNvSpPr>
-          <p:nvPr>
-            <p:ph type="body" idx="1"/>
-          </p:nvPr>
-        </p:nvSpPr>
-        <p:spPr/>
-        <p:txBody>
-          <a:bodyPr/>
-          <a:lstStyle/>
-          <a:p>
-            <a:endParaRPr lang="zh-CN" altLang="en-US" dirty="0"/>
-          </a:p>
-        </p:txBody>
-      </p:sp>
-      <p:sp>
-        <p:nvSpPr>
-          <p:cNvPr id="4" name="灯片编号占位符 3"/>
-          <p:cNvSpPr>
-            <a:spLocks noGrp="1"/>
-          </p:cNvSpPr>
-          <p:nvPr>
-            <p:ph type="sldNum" sz="quarter" idx="5"/>
-          </p:nvPr>
-        </p:nvSpPr>
-        <p:spPr/>
-        <p:txBody>
-          <a:bodyPr/>
-          <a:lstStyle/>
-          <a:p>
-            <a:fld id="{418F03C3-53C1-4F10-8DAF-D1F318E96C6E}" type="slidenum">
-              <a:rPr lang="zh-CN" altLang="en-US" smtClean="0"/>
-              <a:t>6</a:t>
-            </a:fld>
-            <a:endParaRPr lang="zh-CN" altLang="en-US" dirty="0"/>
-          </a:p>
-        </p:txBody>
-      </p:sp>
-    </p:spTree>
-    <p:extLst>
-      <p:ext uri="{BB962C8B-B14F-4D97-AF65-F5344CB8AC3E}">
-        <p14:creationId xmlns:p14="http://schemas.microsoft.com/office/powerpoint/2010/main" val="4026371467"/>
-      </p:ext>
-    </p:extLst>
-  </p:cSld>
-  <p:clrMapOvr>
-    <a:masterClrMapping/>
-  </p:clrMapOvr>
-</p:notes>
-</file>
-
 <file path=ppt/slideLayouts/slideLayout1.xml><?xml version="1.0" encoding="utf-8"?>
 <p:sldLayout xmlns:a="http://schemas.openxmlformats.org/drawingml/2006/main" xmlns:r="http://schemas.openxmlformats.org/officeDocument/2006/relationships" xmlns:p="http://schemas.openxmlformats.org/presentationml/2006/main" userDrawn="1">
   <p:cSld name="4_空白">
@@ -1351,7 +1096,7 @@
           <a:p>
             <a:fld id="{472B2DED-A951-47FE-B6BB-60A6F72D23B9}" type="datetimeFigureOut">
               <a:rPr lang="zh-CN" altLang="en-US" smtClean="0"/>
-              <a:t>2024/11/12</a:t>
+              <a:t>2024-11-12</a:t>
             </a:fld>
             <a:endParaRPr lang="zh-CN" altLang="en-US"/>
           </a:p>
@@ -1454,7 +1199,7 @@
           <a:p>
             <a:fld id="{E3AD87B8-9A4B-45E2-BBE5-FB86ADE287A3}" type="datetimeFigureOut">
               <a:rPr lang="zh-CN" altLang="en-US" smtClean="0"/>
-              <a:t>2024/11/12</a:t>
+              <a:t>2024-11-12</a:t>
             </a:fld>
             <a:endParaRPr lang="zh-CN" altLang="en-US"/>
           </a:p>
@@ -1737,7 +1482,7 @@
           <a:p>
             <a:fld id="{472B2DED-A951-47FE-B6BB-60A6F72D23B9}" type="datetimeFigureOut">
               <a:rPr lang="zh-CN" altLang="en-US" smtClean="0"/>
-              <a:t>2024/11/12</a:t>
+              <a:t>2024-11-12</a:t>
             </a:fld>
             <a:endParaRPr lang="zh-CN" altLang="en-US"/>
           </a:p>
@@ -1997,7 +1742,7 @@
           <a:p>
             <a:fld id="{472B2DED-A951-47FE-B6BB-60A6F72D23B9}" type="datetimeFigureOut">
               <a:rPr lang="zh-CN" altLang="en-US" smtClean="0"/>
-              <a:t>2024/11/12</a:t>
+              <a:t>2024-11-12</a:t>
             </a:fld>
             <a:endParaRPr lang="zh-CN" altLang="en-US"/>
           </a:p>
@@ -2173,7 +1918,7 @@
           <a:p>
             <a:fld id="{472B2DED-A951-47FE-B6BB-60A6F72D23B9}" type="datetimeFigureOut">
               <a:rPr lang="zh-CN" altLang="en-US" smtClean="0"/>
-              <a:t>2024/11/12</a:t>
+              <a:t>2024-11-12</a:t>
             </a:fld>
             <a:endParaRPr lang="zh-CN" altLang="en-US"/>
           </a:p>
@@ -2359,7 +2104,7 @@
           <a:p>
             <a:fld id="{472B2DED-A951-47FE-B6BB-60A6F72D23B9}" type="datetimeFigureOut">
               <a:rPr lang="zh-CN" altLang="en-US" smtClean="0"/>
-              <a:t>2024/11/12</a:t>
+              <a:t>2024-11-12</a:t>
             </a:fld>
             <a:endParaRPr lang="zh-CN" altLang="en-US"/>
           </a:p>
@@ -2484,7 +2229,7 @@
           <a:p>
             <a:fld id="{32BF82D2-7A68-459D-A996-9BDDA2518FA4}" type="datetimeFigureOut">
               <a:rPr lang="zh-CN" altLang="en-US" smtClean="0"/>
-              <a:t>2024/11/12</a:t>
+              <a:t>2024-11-12</a:t>
             </a:fld>
             <a:endParaRPr lang="zh-CN" altLang="en-US" dirty="0"/>
           </a:p>
@@ -2586,7 +2331,7 @@
           <a:p>
             <a:fld id="{E3AD87B8-9A4B-45E2-BBE5-FB86ADE287A3}" type="datetimeFigureOut">
               <a:rPr lang="zh-CN" altLang="en-US" smtClean="0"/>
-              <a:t>2024/11/12</a:t>
+              <a:t>2024-11-12</a:t>
             </a:fld>
             <a:endParaRPr lang="zh-CN" altLang="en-US"/>
           </a:p>
@@ -2931,7 +2676,7 @@
           <a:p>
             <a:fld id="{472B2DED-A951-47FE-B6BB-60A6F72D23B9}" type="datetimeFigureOut">
               <a:rPr lang="zh-CN" altLang="en-US" smtClean="0"/>
-              <a:t>2024/11/12</a:t>
+              <a:t>2024-11-12</a:t>
             </a:fld>
             <a:endParaRPr lang="zh-CN" altLang="en-US"/>
           </a:p>
@@ -3115,7 +2860,7 @@
           <a:p>
             <a:fld id="{472B2DED-A951-47FE-B6BB-60A6F72D23B9}" type="datetimeFigureOut">
               <a:rPr lang="zh-CN" altLang="en-US" smtClean="0"/>
-              <a:t>2024/11/12</a:t>
+              <a:t>2024-11-12</a:t>
             </a:fld>
             <a:endParaRPr lang="zh-CN" altLang="en-US"/>
           </a:p>
@@ -3368,7 +3113,7 @@
           <a:p>
             <a:fld id="{472B2DED-A951-47FE-B6BB-60A6F72D23B9}" type="datetimeFigureOut">
               <a:rPr lang="zh-CN" altLang="en-US" smtClean="0"/>
-              <a:t>2024/11/12</a:t>
+              <a:t>2024-11-12</a:t>
             </a:fld>
             <a:endParaRPr lang="zh-CN" altLang="en-US"/>
           </a:p>
@@ -3661,7 +3406,7 @@
           <a:p>
             <a:fld id="{472B2DED-A951-47FE-B6BB-60A6F72D23B9}" type="datetimeFigureOut">
               <a:rPr lang="zh-CN" altLang="en-US" smtClean="0"/>
-              <a:t>2024/11/12</a:t>
+              <a:t>2024-11-12</a:t>
             </a:fld>
             <a:endParaRPr lang="zh-CN" altLang="en-US"/>
           </a:p>
@@ -4093,7 +3838,7 @@
           <a:p>
             <a:fld id="{472B2DED-A951-47FE-B6BB-60A6F72D23B9}" type="datetimeFigureOut">
               <a:rPr lang="zh-CN" altLang="en-US" smtClean="0"/>
-              <a:t>2024/11/12</a:t>
+              <a:t>2024-11-12</a:t>
             </a:fld>
             <a:endParaRPr lang="zh-CN" altLang="en-US"/>
           </a:p>
@@ -4313,7 +4058,7 @@
           <a:p>
             <a:fld id="{32BF82D2-7A68-459D-A996-9BDDA2518FA4}" type="datetimeFigureOut">
               <a:rPr lang="zh-CN" altLang="en-US" smtClean="0"/>
-              <a:t>2024/11/12</a:t>
+              <a:t>2024-11-12</a:t>
             </a:fld>
             <a:endParaRPr lang="zh-CN" altLang="en-US" dirty="0"/>
           </a:p>
@@ -4846,7 +4591,7 @@
           <a:p>
             <a:fld id="{32BF82D2-7A68-459D-A996-9BDDA2518FA4}" type="datetimeFigureOut">
               <a:rPr lang="zh-CN" altLang="en-US" smtClean="0"/>
-              <a:t>2024/11/12</a:t>
+              <a:t>2024-11-12</a:t>
             </a:fld>
             <a:endParaRPr lang="zh-CN" altLang="en-US" dirty="0"/>
           </a:p>
@@ -6407,1259 +6152,629 @@
           </a:p>
         </p:txBody>
       </p:sp>
-      <p:pic>
-        <p:nvPicPr>
-          <p:cNvPr id="3" name="图片 2">
+      <p:graphicFrame>
+        <p:nvGraphicFramePr>
+          <p:cNvPr id="6" name="表格 5">
             <a:extLst>
               <a:ext uri="{FF2B5EF4-FFF2-40B4-BE49-F238E27FC236}">
-                <a16:creationId xmlns:a16="http://schemas.microsoft.com/office/drawing/2014/main" id="{A99A13F0-6A58-C611-5D50-75245CB201F1}"/>
+                <a16:creationId xmlns:a16="http://schemas.microsoft.com/office/drawing/2014/main" id="{BBC6EE7E-6B32-7D97-766D-D9F86F111A15}"/>
               </a:ext>
             </a:extLst>
           </p:cNvPr>
-          <p:cNvPicPr>
-            <a:picLocks noChangeAspect="1"/>
-          </p:cNvPicPr>
-          <p:nvPr/>
-        </p:nvPicPr>
-        <p:blipFill>
-          <a:blip r:embed="rId5"/>
-          <a:stretch>
-            <a:fillRect/>
-          </a:stretch>
-        </p:blipFill>
-        <p:spPr>
-          <a:xfrm>
-            <a:off x="524720" y="1111834"/>
-            <a:ext cx="6419522" cy="5684463"/>
-          </a:xfrm>
-          <a:prstGeom prst="rect">
-            <a:avLst/>
-          </a:prstGeom>
-        </p:spPr>
-      </p:pic>
-      <p:pic>
-        <p:nvPicPr>
-          <p:cNvPr id="5" name="图片 4">
-            <a:extLst>
-              <a:ext uri="{FF2B5EF4-FFF2-40B4-BE49-F238E27FC236}">
-                <a16:creationId xmlns:a16="http://schemas.microsoft.com/office/drawing/2014/main" id="{19CBB5A0-ECBA-B466-9644-9F611AF63983}"/>
-              </a:ext>
-            </a:extLst>
-          </p:cNvPr>
-          <p:cNvPicPr>
-            <a:picLocks noChangeAspect="1"/>
-          </p:cNvPicPr>
-          <p:nvPr/>
-        </p:nvPicPr>
-        <p:blipFill>
-          <a:blip r:embed="rId6"/>
-          <a:stretch>
-            <a:fillRect/>
-          </a:stretch>
-        </p:blipFill>
-        <p:spPr>
-          <a:xfrm>
-            <a:off x="8157567" y="1139622"/>
-            <a:ext cx="3816424" cy="5684463"/>
-          </a:xfrm>
-          <a:prstGeom prst="rect">
-            <a:avLst/>
-          </a:prstGeom>
-        </p:spPr>
-      </p:pic>
+          <p:cNvGraphicFramePr>
+            <a:graphicFrameLocks noGrp="1"/>
+          </p:cNvGraphicFramePr>
+          <p:nvPr>
+            <p:extLst>
+              <p:ext uri="{D42A27DB-BD31-4B8C-83A1-F6EECF244321}">
+                <p14:modId xmlns:p14="http://schemas.microsoft.com/office/powerpoint/2010/main" val="2185365095"/>
+              </p:ext>
+            </p:extLst>
+          </p:nvPr>
+        </p:nvGraphicFramePr>
+        <p:xfrm>
+          <a:off x="488715" y="1312069"/>
+          <a:ext cx="12133349" cy="4902876"/>
+        </p:xfrm>
+        <a:graphic>
+          <a:graphicData uri="http://schemas.openxmlformats.org/drawingml/2006/table">
+            <a:tbl>
+              <a:tblPr firstRow="1" bandRow="1">
+                <a:tableStyleId>{5C22544A-7EE6-4342-B048-85BDC9FD1C3A}</a:tableStyleId>
+              </a:tblPr>
+              <a:tblGrid>
+                <a:gridCol w="3924436">
+                  <a:extLst>
+                    <a:ext uri="{9D8B030D-6E8A-4147-A177-3AD203B41FA5}">
+                      <a16:colId xmlns:a16="http://schemas.microsoft.com/office/drawing/2014/main" val="2099885764"/>
+                    </a:ext>
+                  </a:extLst>
+                </a:gridCol>
+                <a:gridCol w="2736304">
+                  <a:extLst>
+                    <a:ext uri="{9D8B030D-6E8A-4147-A177-3AD203B41FA5}">
+                      <a16:colId xmlns:a16="http://schemas.microsoft.com/office/drawing/2014/main" val="375383092"/>
+                    </a:ext>
+                  </a:extLst>
+                </a:gridCol>
+                <a:gridCol w="2664296">
+                  <a:extLst>
+                    <a:ext uri="{9D8B030D-6E8A-4147-A177-3AD203B41FA5}">
+                      <a16:colId xmlns:a16="http://schemas.microsoft.com/office/drawing/2014/main" val="2444675955"/>
+                    </a:ext>
+                  </a:extLst>
+                </a:gridCol>
+                <a:gridCol w="2808313">
+                  <a:extLst>
+                    <a:ext uri="{9D8B030D-6E8A-4147-A177-3AD203B41FA5}">
+                      <a16:colId xmlns:a16="http://schemas.microsoft.com/office/drawing/2014/main" val="3952199898"/>
+                    </a:ext>
+                  </a:extLst>
+                </a:gridCol>
+              </a:tblGrid>
+              <a:tr h="587524">
+                <a:tc>
+                  <a:txBody>
+                    <a:bodyPr/>
+                    <a:lstStyle/>
+                    <a:p>
+                      <a:pPr algn="ctr"/>
+                      <a:r>
+                        <a:rPr lang="zh-CN" altLang="en-US" sz="2000" dirty="0">
+                          <a:latin typeface="微软雅黑" panose="020B0503020204020204" pitchFamily="34" charset="-122"/>
+                          <a:ea typeface="微软雅黑" panose="020B0503020204020204" pitchFamily="34" charset="-122"/>
+                          <a:cs typeface="Times New Roman" panose="02020603050405020304" pitchFamily="18" charset="0"/>
+                        </a:rPr>
+                        <a:t>基座模型</a:t>
+                      </a:r>
+                    </a:p>
+                  </a:txBody>
+                  <a:tcPr anchor="ctr"/>
+                </a:tc>
+                <a:tc>
+                  <a:txBody>
+                    <a:bodyPr/>
+                    <a:lstStyle/>
+                    <a:p>
+                      <a:pPr algn="ctr"/>
+                      <a:r>
+                        <a:rPr lang="zh-CN" altLang="en-US" sz="2000" dirty="0">
+                          <a:latin typeface="微软雅黑" panose="020B0503020204020204" pitchFamily="34" charset="-122"/>
+                          <a:ea typeface="微软雅黑" panose="020B0503020204020204" pitchFamily="34" charset="-122"/>
+                          <a:cs typeface="Times New Roman" panose="02020603050405020304" pitchFamily="18" charset="0"/>
+                        </a:rPr>
+                        <a:t>知识分类组织</a:t>
+                      </a:r>
+                    </a:p>
+                  </a:txBody>
+                  <a:tcPr anchor="ctr"/>
+                </a:tc>
+                <a:tc>
+                  <a:txBody>
+                    <a:bodyPr/>
+                    <a:lstStyle/>
+                    <a:p>
+                      <a:pPr marL="0" algn="ctr" defTabSz="963930" rtl="0" eaLnBrk="1" latinLnBrk="0" hangingPunct="1"/>
+                      <a:r>
+                        <a:rPr lang="zh-CN" altLang="en-US" sz="2000" b="1" kern="1200" dirty="0">
+                          <a:solidFill>
+                            <a:schemeClr val="lt1"/>
+                          </a:solidFill>
+                          <a:latin typeface="微软雅黑" panose="020B0503020204020204" pitchFamily="34" charset="-122"/>
+                          <a:ea typeface="微软雅黑" panose="020B0503020204020204" pitchFamily="34" charset="-122"/>
+                          <a:cs typeface="Times New Roman" panose="02020603050405020304" pitchFamily="18" charset="0"/>
+                        </a:rPr>
+                        <a:t>知识检索</a:t>
+                      </a:r>
+                    </a:p>
+                  </a:txBody>
+                  <a:tcPr anchor="ctr"/>
+                </a:tc>
+                <a:tc>
+                  <a:txBody>
+                    <a:bodyPr/>
+                    <a:lstStyle/>
+                    <a:p>
+                      <a:pPr marL="0" algn="ctr" defTabSz="963930" rtl="0" eaLnBrk="1" latinLnBrk="0" hangingPunct="1"/>
+                      <a:r>
+                        <a:rPr lang="zh-CN" altLang="en-US" sz="2000" b="1" kern="1200" dirty="0">
+                          <a:solidFill>
+                            <a:schemeClr val="lt1"/>
+                          </a:solidFill>
+                          <a:latin typeface="微软雅黑" panose="020B0503020204020204" pitchFamily="34" charset="-122"/>
+                          <a:ea typeface="微软雅黑" panose="020B0503020204020204" pitchFamily="34" charset="-122"/>
+                          <a:cs typeface="Times New Roman" panose="02020603050405020304" pitchFamily="18" charset="0"/>
+                        </a:rPr>
+                        <a:t>查重检测</a:t>
+                      </a:r>
+                    </a:p>
+                  </a:txBody>
+                  <a:tcPr anchor="ctr"/>
+                </a:tc>
+                <a:extLst>
+                  <a:ext uri="{0D108BD9-81ED-4DB2-BD59-A6C34878D82A}">
+                    <a16:rowId xmlns:a16="http://schemas.microsoft.com/office/drawing/2014/main" val="619831514"/>
+                  </a:ext>
+                </a:extLst>
+              </a:tr>
+              <a:tr h="1001778">
+                <a:tc>
+                  <a:txBody>
+                    <a:bodyPr/>
+                    <a:lstStyle/>
+                    <a:p>
+                      <a:pPr algn="ctr"/>
+                      <a:r>
+                        <a:rPr lang="en-US" altLang="zh-CN" sz="2000" dirty="0">
+                          <a:latin typeface="微软雅黑" panose="020B0503020204020204" pitchFamily="34" charset="-122"/>
+                          <a:ea typeface="微软雅黑" panose="020B0503020204020204" pitchFamily="34" charset="-122"/>
+                          <a:cs typeface="Times New Roman" panose="02020603050405020304" pitchFamily="18" charset="0"/>
+                          <a:sym typeface="微软雅黑" panose="020B0503020204020204" pitchFamily="34" charset="-122"/>
+                        </a:rPr>
+                        <a:t>ChatGLM3-6B</a:t>
+                      </a:r>
+                      <a:endParaRPr lang="zh-CN" altLang="en-US" sz="2000" dirty="0">
+                        <a:latin typeface="微软雅黑" panose="020B0503020204020204" pitchFamily="34" charset="-122"/>
+                        <a:ea typeface="微软雅黑" panose="020B0503020204020204" pitchFamily="34" charset="-122"/>
+                        <a:cs typeface="Times New Roman" panose="02020603050405020304" pitchFamily="18" charset="0"/>
+                      </a:endParaRPr>
+                    </a:p>
+                  </a:txBody>
+                  <a:tcPr anchor="ctr"/>
+                </a:tc>
+                <a:tc>
+                  <a:txBody>
+                    <a:bodyPr/>
+                    <a:lstStyle/>
+                    <a:p>
+                      <a:pPr algn="ctr"/>
+                      <a:r>
+                        <a:rPr lang="en-US" altLang="zh-CN" sz="2000" dirty="0">
+                          <a:latin typeface="微软雅黑" panose="020B0503020204020204" pitchFamily="34" charset="-122"/>
+                          <a:ea typeface="微软雅黑" panose="020B0503020204020204" pitchFamily="34" charset="-122"/>
+                          <a:cs typeface="Times New Roman" panose="02020603050405020304" pitchFamily="18" charset="0"/>
+                        </a:rPr>
+                        <a:t>9/15=60%</a:t>
+                      </a:r>
+                      <a:endParaRPr lang="zh-CN" altLang="en-US" sz="2000" dirty="0">
+                        <a:latin typeface="微软雅黑" panose="020B0503020204020204" pitchFamily="34" charset="-122"/>
+                        <a:ea typeface="微软雅黑" panose="020B0503020204020204" pitchFamily="34" charset="-122"/>
+                        <a:cs typeface="Times New Roman" panose="02020603050405020304" pitchFamily="18" charset="0"/>
+                      </a:endParaRPr>
+                    </a:p>
+                  </a:txBody>
+                  <a:tcPr anchor="ctr"/>
+                </a:tc>
+                <a:tc>
+                  <a:txBody>
+                    <a:bodyPr/>
+                    <a:lstStyle/>
+                    <a:p>
+                      <a:pPr algn="ctr"/>
+                      <a:r>
+                        <a:rPr lang="en-US" altLang="zh-CN" sz="2000" dirty="0">
+                          <a:latin typeface="微软雅黑" panose="020B0503020204020204" pitchFamily="34" charset="-122"/>
+                          <a:ea typeface="微软雅黑" panose="020B0503020204020204" pitchFamily="34" charset="-122"/>
+                          <a:cs typeface="Times New Roman" panose="02020603050405020304" pitchFamily="18" charset="0"/>
+                        </a:rPr>
+                        <a:t>8/15=53.3%</a:t>
+                      </a:r>
+                      <a:endParaRPr lang="zh-CN" altLang="en-US" sz="2000" dirty="0">
+                        <a:latin typeface="微软雅黑" panose="020B0503020204020204" pitchFamily="34" charset="-122"/>
+                        <a:ea typeface="微软雅黑" panose="020B0503020204020204" pitchFamily="34" charset="-122"/>
+                        <a:cs typeface="Times New Roman" panose="02020603050405020304" pitchFamily="18" charset="0"/>
+                      </a:endParaRPr>
+                    </a:p>
+                  </a:txBody>
+                  <a:tcPr anchor="ctr"/>
+                </a:tc>
+                <a:tc>
+                  <a:txBody>
+                    <a:bodyPr/>
+                    <a:lstStyle/>
+                    <a:p>
+                      <a:pPr algn="ctr"/>
+                      <a:r>
+                        <a:rPr lang="zh-CN" altLang="en-US" sz="2000" dirty="0">
+                          <a:latin typeface="微软雅黑" panose="020B0503020204020204" pitchFamily="34" charset="-122"/>
+                          <a:ea typeface="微软雅黑" panose="020B0503020204020204" pitchFamily="34" charset="-122"/>
+                          <a:cs typeface="Times New Roman" panose="02020603050405020304" pitchFamily="18" charset="0"/>
+                        </a:rPr>
+                        <a:t>因为效果太差没测了</a:t>
+                      </a:r>
+                    </a:p>
+                  </a:txBody>
+                  <a:tcPr anchor="ctr"/>
+                </a:tc>
+                <a:extLst>
+                  <a:ext uri="{0D108BD9-81ED-4DB2-BD59-A6C34878D82A}">
+                    <a16:rowId xmlns:a16="http://schemas.microsoft.com/office/drawing/2014/main" val="4237009793"/>
+                  </a:ext>
+                </a:extLst>
+              </a:tr>
+              <a:tr h="1001778">
+                <a:tc>
+                  <a:txBody>
+                    <a:bodyPr/>
+                    <a:lstStyle/>
+                    <a:p>
+                      <a:pPr algn="ctr"/>
+                      <a:r>
+                        <a:rPr lang="en-US" altLang="zh-CN" sz="2000" dirty="0">
+                          <a:latin typeface="微软雅黑" panose="020B0503020204020204" pitchFamily="34" charset="-122"/>
+                          <a:ea typeface="微软雅黑" panose="020B0503020204020204" pitchFamily="34" charset="-122"/>
+                          <a:cs typeface="Times New Roman" panose="02020603050405020304" pitchFamily="18" charset="0"/>
+                          <a:sym typeface="微软雅黑" panose="020B0503020204020204" pitchFamily="34" charset="-122"/>
+                        </a:rPr>
+                        <a:t>Qwen1.5-7B-Chat</a:t>
+                      </a:r>
+                      <a:endParaRPr lang="zh-CN" altLang="en-US" sz="2000" dirty="0">
+                        <a:latin typeface="微软雅黑" panose="020B0503020204020204" pitchFamily="34" charset="-122"/>
+                        <a:ea typeface="微软雅黑" panose="020B0503020204020204" pitchFamily="34" charset="-122"/>
+                        <a:cs typeface="Times New Roman" panose="02020603050405020304" pitchFamily="18" charset="0"/>
+                      </a:endParaRPr>
+                    </a:p>
+                  </a:txBody>
+                  <a:tcPr anchor="ctr"/>
+                </a:tc>
+                <a:tc>
+                  <a:txBody>
+                    <a:bodyPr/>
+                    <a:lstStyle/>
+                    <a:p>
+                      <a:pPr algn="ctr"/>
+                      <a:r>
+                        <a:rPr lang="en-US" altLang="zh-CN" sz="2000" dirty="0">
+                          <a:latin typeface="微软雅黑" panose="020B0503020204020204" pitchFamily="34" charset="-122"/>
+                          <a:ea typeface="微软雅黑" panose="020B0503020204020204" pitchFamily="34" charset="-122"/>
+                          <a:cs typeface="Times New Roman" panose="02020603050405020304" pitchFamily="18" charset="0"/>
+                        </a:rPr>
+                        <a:t>15/20=75%</a:t>
+                      </a:r>
+                      <a:endParaRPr lang="zh-CN" altLang="en-US" sz="2000" dirty="0">
+                        <a:latin typeface="微软雅黑" panose="020B0503020204020204" pitchFamily="34" charset="-122"/>
+                        <a:ea typeface="微软雅黑" panose="020B0503020204020204" pitchFamily="34" charset="-122"/>
+                        <a:cs typeface="Times New Roman" panose="02020603050405020304" pitchFamily="18" charset="0"/>
+                      </a:endParaRPr>
+                    </a:p>
+                  </a:txBody>
+                  <a:tcPr anchor="ctr"/>
+                </a:tc>
+                <a:tc>
+                  <a:txBody>
+                    <a:bodyPr/>
+                    <a:lstStyle/>
+                    <a:p>
+                      <a:pPr algn="ctr"/>
+                      <a:r>
+                        <a:rPr lang="en-US" altLang="zh-CN" sz="2000" dirty="0">
+                          <a:latin typeface="微软雅黑" panose="020B0503020204020204" pitchFamily="34" charset="-122"/>
+                          <a:ea typeface="微软雅黑" panose="020B0503020204020204" pitchFamily="34" charset="-122"/>
+                          <a:cs typeface="Times New Roman" panose="02020603050405020304" pitchFamily="18" charset="0"/>
+                        </a:rPr>
+                        <a:t>14/18=77.8%</a:t>
+                      </a:r>
+                      <a:endParaRPr lang="zh-CN" altLang="en-US" sz="2000" dirty="0">
+                        <a:latin typeface="微软雅黑" panose="020B0503020204020204" pitchFamily="34" charset="-122"/>
+                        <a:ea typeface="微软雅黑" panose="020B0503020204020204" pitchFamily="34" charset="-122"/>
+                        <a:cs typeface="Times New Roman" panose="02020603050405020304" pitchFamily="18" charset="0"/>
+                      </a:endParaRPr>
+                    </a:p>
+                  </a:txBody>
+                  <a:tcPr anchor="ctr"/>
+                </a:tc>
+                <a:tc>
+                  <a:txBody>
+                    <a:bodyPr/>
+                    <a:lstStyle/>
+                    <a:p>
+                      <a:pPr algn="ctr"/>
+                      <a:r>
+                        <a:rPr lang="en-US" altLang="zh-CN" sz="2000" dirty="0">
+                          <a:latin typeface="微软雅黑" panose="020B0503020204020204" pitchFamily="34" charset="-122"/>
+                          <a:ea typeface="微软雅黑" panose="020B0503020204020204" pitchFamily="34" charset="-122"/>
+                          <a:cs typeface="Times New Roman" panose="02020603050405020304" pitchFamily="18" charset="0"/>
+                        </a:rPr>
+                        <a:t>19/19=100%</a:t>
+                      </a:r>
+                      <a:endParaRPr lang="zh-CN" altLang="en-US" sz="2000" dirty="0">
+                        <a:latin typeface="微软雅黑" panose="020B0503020204020204" pitchFamily="34" charset="-122"/>
+                        <a:ea typeface="微软雅黑" panose="020B0503020204020204" pitchFamily="34" charset="-122"/>
+                        <a:cs typeface="Times New Roman" panose="02020603050405020304" pitchFamily="18" charset="0"/>
+                      </a:endParaRPr>
+                    </a:p>
+                  </a:txBody>
+                  <a:tcPr anchor="ctr"/>
+                </a:tc>
+                <a:extLst>
+                  <a:ext uri="{0D108BD9-81ED-4DB2-BD59-A6C34878D82A}">
+                    <a16:rowId xmlns:a16="http://schemas.microsoft.com/office/drawing/2014/main" val="3350544260"/>
+                  </a:ext>
+                </a:extLst>
+              </a:tr>
+              <a:tr h="1310018">
+                <a:tc>
+                  <a:txBody>
+                    <a:bodyPr/>
+                    <a:lstStyle/>
+                    <a:p>
+                      <a:pPr algn="ctr"/>
+                      <a:r>
+                        <a:rPr lang="en-US" altLang="zh-CN" sz="2000" dirty="0">
+                          <a:latin typeface="微软雅黑" panose="020B0503020204020204" pitchFamily="34" charset="-122"/>
+                          <a:ea typeface="微软雅黑" panose="020B0503020204020204" pitchFamily="34" charset="-122"/>
+                          <a:cs typeface="Times New Roman" panose="02020603050405020304" pitchFamily="18" charset="0"/>
+                          <a:sym typeface="微软雅黑" panose="020B0503020204020204" pitchFamily="34" charset="-122"/>
+                        </a:rPr>
+                        <a:t>Meta-Llama-3-8B-Instruct</a:t>
+                      </a:r>
+                      <a:endParaRPr lang="zh-CN" altLang="en-US" sz="2000" dirty="0">
+                        <a:latin typeface="微软雅黑" panose="020B0503020204020204" pitchFamily="34" charset="-122"/>
+                        <a:ea typeface="微软雅黑" panose="020B0503020204020204" pitchFamily="34" charset="-122"/>
+                        <a:cs typeface="Times New Roman" panose="02020603050405020304" pitchFamily="18" charset="0"/>
+                      </a:endParaRPr>
+                    </a:p>
+                  </a:txBody>
+                  <a:tcPr anchor="ctr"/>
+                </a:tc>
+                <a:tc>
+                  <a:txBody>
+                    <a:bodyPr/>
+                    <a:lstStyle/>
+                    <a:p>
+                      <a:pPr algn="ctr"/>
+                      <a:r>
+                        <a:rPr lang="en-US" altLang="zh-CN" sz="2000" dirty="0">
+                          <a:latin typeface="微软雅黑" panose="020B0503020204020204" pitchFamily="34" charset="-122"/>
+                          <a:ea typeface="微软雅黑" panose="020B0503020204020204" pitchFamily="34" charset="-122"/>
+                          <a:cs typeface="Times New Roman" panose="02020603050405020304" pitchFamily="18" charset="0"/>
+                        </a:rPr>
+                        <a:t>19/20=95%</a:t>
+                      </a:r>
+                      <a:endParaRPr lang="zh-CN" altLang="en-US" sz="2000" dirty="0">
+                        <a:latin typeface="微软雅黑" panose="020B0503020204020204" pitchFamily="34" charset="-122"/>
+                        <a:ea typeface="微软雅黑" panose="020B0503020204020204" pitchFamily="34" charset="-122"/>
+                        <a:cs typeface="Times New Roman" panose="02020603050405020304" pitchFamily="18" charset="0"/>
+                      </a:endParaRPr>
+                    </a:p>
+                  </a:txBody>
+                  <a:tcPr anchor="ctr"/>
+                </a:tc>
+                <a:tc>
+                  <a:txBody>
+                    <a:bodyPr/>
+                    <a:lstStyle/>
+                    <a:p>
+                      <a:pPr marL="0" marR="0" lvl="0" indent="0" algn="ctr" defTabSz="963930" rtl="0" eaLnBrk="1" fontAlgn="auto" latinLnBrk="0" hangingPunct="1">
+                        <a:lnSpc>
+                          <a:spcPct val="100000"/>
+                        </a:lnSpc>
+                        <a:spcBef>
+                          <a:spcPts val="0"/>
+                        </a:spcBef>
+                        <a:spcAft>
+                          <a:spcPts val="0"/>
+                        </a:spcAft>
+                        <a:buClrTx/>
+                        <a:buSzTx/>
+                        <a:buFontTx/>
+                        <a:buNone/>
+                        <a:tabLst/>
+                        <a:defRPr/>
+                      </a:pPr>
+                      <a:r>
+                        <a:rPr lang="en-US" altLang="zh-CN" sz="2000" kern="1200" dirty="0">
+                          <a:solidFill>
+                            <a:schemeClr val="dk1"/>
+                          </a:solidFill>
+                          <a:latin typeface="微软雅黑" panose="020B0503020204020204" pitchFamily="34" charset="-122"/>
+                          <a:ea typeface="微软雅黑" panose="020B0503020204020204" pitchFamily="34" charset="-122"/>
+                          <a:cs typeface="Times New Roman" panose="02020603050405020304" pitchFamily="18" charset="0"/>
+                          <a:sym typeface="微软雅黑" panose="020B0503020204020204" pitchFamily="34" charset="-122"/>
+                        </a:rPr>
+                        <a:t>19/20=95%</a:t>
+                      </a:r>
+                      <a:endParaRPr lang="zh-CN" altLang="en-US" sz="2000" kern="1200" dirty="0">
+                        <a:solidFill>
+                          <a:schemeClr val="dk1"/>
+                        </a:solidFill>
+                        <a:latin typeface="微软雅黑" panose="020B0503020204020204" pitchFamily="34" charset="-122"/>
+                        <a:ea typeface="微软雅黑" panose="020B0503020204020204" pitchFamily="34" charset="-122"/>
+                        <a:cs typeface="Times New Roman" panose="02020603050405020304" pitchFamily="18" charset="0"/>
+                        <a:sym typeface="微软雅黑" panose="020B0503020204020204" pitchFamily="34" charset="-122"/>
+                      </a:endParaRPr>
+                    </a:p>
+                  </a:txBody>
+                  <a:tcPr anchor="ctr"/>
+                </a:tc>
+                <a:tc>
+                  <a:txBody>
+                    <a:bodyPr/>
+                    <a:lstStyle/>
+                    <a:p>
+                      <a:pPr marL="0" marR="0" lvl="0" indent="0" algn="ctr" defTabSz="963930" rtl="0" eaLnBrk="1" fontAlgn="auto" latinLnBrk="0" hangingPunct="1">
+                        <a:lnSpc>
+                          <a:spcPct val="100000"/>
+                        </a:lnSpc>
+                        <a:spcBef>
+                          <a:spcPts val="0"/>
+                        </a:spcBef>
+                        <a:spcAft>
+                          <a:spcPts val="0"/>
+                        </a:spcAft>
+                        <a:buClrTx/>
+                        <a:buSzTx/>
+                        <a:buFontTx/>
+                        <a:buNone/>
+                        <a:tabLst/>
+                        <a:defRPr/>
+                      </a:pPr>
+                      <a:r>
+                        <a:rPr lang="en-US" altLang="zh-CN" sz="2000" dirty="0">
+                          <a:latin typeface="微软雅黑" panose="020B0503020204020204" pitchFamily="34" charset="-122"/>
+                          <a:ea typeface="微软雅黑" panose="020B0503020204020204" pitchFamily="34" charset="-122"/>
+                          <a:cs typeface="Times New Roman" panose="02020603050405020304" pitchFamily="18" charset="0"/>
+                        </a:rPr>
+                        <a:t>19/19=100%</a:t>
+                      </a:r>
+                      <a:endParaRPr lang="zh-CN" altLang="en-US" sz="2000" dirty="0">
+                        <a:latin typeface="微软雅黑" panose="020B0503020204020204" pitchFamily="34" charset="-122"/>
+                        <a:ea typeface="微软雅黑" panose="020B0503020204020204" pitchFamily="34" charset="-122"/>
+                        <a:cs typeface="Times New Roman" panose="02020603050405020304" pitchFamily="18" charset="0"/>
+                      </a:endParaRPr>
+                    </a:p>
+                  </a:txBody>
+                  <a:tcPr anchor="ctr"/>
+                </a:tc>
+                <a:extLst>
+                  <a:ext uri="{0D108BD9-81ED-4DB2-BD59-A6C34878D82A}">
+                    <a16:rowId xmlns:a16="http://schemas.microsoft.com/office/drawing/2014/main" val="1779892249"/>
+                  </a:ext>
+                </a:extLst>
+              </a:tr>
+              <a:tr h="1001778">
+                <a:tc>
+                  <a:txBody>
+                    <a:bodyPr/>
+                    <a:lstStyle/>
+                    <a:p>
+                      <a:pPr marL="0" marR="0" lvl="0" indent="0" algn="ctr" defTabSz="963930" rtl="0" eaLnBrk="1" fontAlgn="auto" latinLnBrk="0" hangingPunct="1">
+                        <a:lnSpc>
+                          <a:spcPct val="100000"/>
+                        </a:lnSpc>
+                        <a:spcBef>
+                          <a:spcPts val="0"/>
+                        </a:spcBef>
+                        <a:spcAft>
+                          <a:spcPts val="0"/>
+                        </a:spcAft>
+                        <a:buClrTx/>
+                        <a:buSzTx/>
+                        <a:buFontTx/>
+                        <a:buNone/>
+                        <a:tabLst/>
+                        <a:defRPr/>
+                      </a:pPr>
+                      <a:r>
+                        <a:rPr lang="en-US" altLang="zh-CN" sz="2000" dirty="0">
+                          <a:latin typeface="微软雅黑" panose="020B0503020204020204" pitchFamily="34" charset="-122"/>
+                          <a:ea typeface="微软雅黑" panose="020B0503020204020204" pitchFamily="34" charset="-122"/>
+                          <a:cs typeface="Times New Roman" panose="02020603050405020304" pitchFamily="18" charset="0"/>
+                          <a:sym typeface="微软雅黑" panose="020B0503020204020204" pitchFamily="34" charset="-122"/>
+                        </a:rPr>
+                        <a:t>Qwen2-7B-Instruct</a:t>
+                      </a:r>
+                    </a:p>
+                    <a:p>
+                      <a:pPr algn="ctr"/>
+                      <a:endParaRPr lang="zh-CN" altLang="en-US" sz="2000" dirty="0">
+                        <a:latin typeface="微软雅黑" panose="020B0503020204020204" pitchFamily="34" charset="-122"/>
+                        <a:ea typeface="微软雅黑" panose="020B0503020204020204" pitchFamily="34" charset="-122"/>
+                        <a:cs typeface="Times New Roman" panose="02020603050405020304" pitchFamily="18" charset="0"/>
+                      </a:endParaRPr>
+                    </a:p>
+                  </a:txBody>
+                  <a:tcPr anchor="ctr"/>
+                </a:tc>
+                <a:tc>
+                  <a:txBody>
+                    <a:bodyPr/>
+                    <a:lstStyle/>
+                    <a:p>
+                      <a:pPr marL="0" marR="0" lvl="0" indent="0" algn="ctr" defTabSz="963930" rtl="0" eaLnBrk="1" fontAlgn="auto" latinLnBrk="0" hangingPunct="1">
+                        <a:lnSpc>
+                          <a:spcPct val="100000"/>
+                        </a:lnSpc>
+                        <a:spcBef>
+                          <a:spcPts val="0"/>
+                        </a:spcBef>
+                        <a:spcAft>
+                          <a:spcPts val="0"/>
+                        </a:spcAft>
+                        <a:buClrTx/>
+                        <a:buSzTx/>
+                        <a:buFontTx/>
+                        <a:buNone/>
+                        <a:tabLst/>
+                        <a:defRPr/>
+                      </a:pPr>
+                      <a:r>
+                        <a:rPr lang="en-US" altLang="zh-CN" sz="2000" dirty="0">
+                          <a:latin typeface="微软雅黑" panose="020B0503020204020204" pitchFamily="34" charset="-122"/>
+                          <a:ea typeface="微软雅黑" panose="020B0503020204020204" pitchFamily="34" charset="-122"/>
+                          <a:cs typeface="Times New Roman" panose="02020603050405020304" pitchFamily="18" charset="0"/>
+                        </a:rPr>
+                        <a:t>18/20=90%</a:t>
+                      </a:r>
+                      <a:endParaRPr lang="zh-CN" altLang="en-US" sz="2000" dirty="0">
+                        <a:latin typeface="微软雅黑" panose="020B0503020204020204" pitchFamily="34" charset="-122"/>
+                        <a:ea typeface="微软雅黑" panose="020B0503020204020204" pitchFamily="34" charset="-122"/>
+                        <a:cs typeface="Times New Roman" panose="02020603050405020304" pitchFamily="18" charset="0"/>
+                      </a:endParaRPr>
+                    </a:p>
+                  </a:txBody>
+                  <a:tcPr anchor="ctr"/>
+                </a:tc>
+                <a:tc>
+                  <a:txBody>
+                    <a:bodyPr/>
+                    <a:lstStyle/>
+                    <a:p>
+                      <a:pPr algn="ctr"/>
+                      <a:r>
+                        <a:rPr lang="en-US" altLang="zh-CN" sz="2000" dirty="0">
+                          <a:latin typeface="微软雅黑" panose="020B0503020204020204" pitchFamily="34" charset="-122"/>
+                          <a:ea typeface="微软雅黑" panose="020B0503020204020204" pitchFamily="34" charset="-122"/>
+                          <a:cs typeface="Times New Roman" panose="02020603050405020304" pitchFamily="18" charset="0"/>
+                        </a:rPr>
+                        <a:t>17/19=89.5%</a:t>
+                      </a:r>
+                      <a:endParaRPr lang="zh-CN" altLang="en-US" sz="2000" dirty="0">
+                        <a:latin typeface="微软雅黑" panose="020B0503020204020204" pitchFamily="34" charset="-122"/>
+                        <a:ea typeface="微软雅黑" panose="020B0503020204020204" pitchFamily="34" charset="-122"/>
+                        <a:cs typeface="Times New Roman" panose="02020603050405020304" pitchFamily="18" charset="0"/>
+                      </a:endParaRPr>
+                    </a:p>
+                  </a:txBody>
+                  <a:tcPr anchor="ctr"/>
+                </a:tc>
+                <a:tc>
+                  <a:txBody>
+                    <a:bodyPr/>
+                    <a:lstStyle/>
+                    <a:p>
+                      <a:pPr algn="ctr"/>
+                      <a:r>
+                        <a:rPr lang="en-US" altLang="zh-CN" sz="2000" dirty="0">
+                          <a:latin typeface="微软雅黑" panose="020B0503020204020204" pitchFamily="34" charset="-122"/>
+                          <a:ea typeface="微软雅黑" panose="020B0503020204020204" pitchFamily="34" charset="-122"/>
+                          <a:cs typeface="Times New Roman" panose="02020603050405020304" pitchFamily="18" charset="0"/>
+                        </a:rPr>
+                        <a:t>20/20=100%</a:t>
+                      </a:r>
+                      <a:endParaRPr lang="zh-CN" altLang="en-US" sz="2000" dirty="0">
+                        <a:latin typeface="微软雅黑" panose="020B0503020204020204" pitchFamily="34" charset="-122"/>
+                        <a:ea typeface="微软雅黑" panose="020B0503020204020204" pitchFamily="34" charset="-122"/>
+                        <a:cs typeface="Times New Roman" panose="02020603050405020304" pitchFamily="18" charset="0"/>
+                      </a:endParaRPr>
+                    </a:p>
+                  </a:txBody>
+                  <a:tcPr anchor="ctr"/>
+                </a:tc>
+                <a:extLst>
+                  <a:ext uri="{0D108BD9-81ED-4DB2-BD59-A6C34878D82A}">
+                    <a16:rowId xmlns:a16="http://schemas.microsoft.com/office/drawing/2014/main" val="326640074"/>
+                  </a:ext>
+                </a:extLst>
+              </a:tr>
+            </a:tbl>
+          </a:graphicData>
+        </a:graphic>
+      </p:graphicFrame>
     </p:spTree>
     <p:extLst>
       <p:ext uri="{BB962C8B-B14F-4D97-AF65-F5344CB8AC3E}">
         <p14:creationId xmlns:p14="http://schemas.microsoft.com/office/powerpoint/2010/main" val="1930147246"/>
-      </p:ext>
-    </p:extLst>
-  </p:cSld>
-  <p:clrMapOvr>
-    <a:masterClrMapping/>
-  </p:clrMapOvr>
-  <mc:AlternateContent xmlns:mc="http://schemas.openxmlformats.org/markup-compatibility/2006" xmlns:p14="http://schemas.microsoft.com/office/powerpoint/2010/main">
-    <mc:Choice Requires="p14">
-      <p:transition spd="slow" p14:dur="1400" advClick="0" advTm="2000">
-        <p14:ripple/>
-      </p:transition>
-    </mc:Choice>
-    <mc:Fallback xmlns="">
-      <p:transition spd="slow" advClick="0" advTm="2000">
-        <p:fade/>
-      </p:transition>
-    </mc:Fallback>
-  </mc:AlternateContent>
-</p:sld>
-</file>
-
-<file path=ppt/slides/slide4.xml><?xml version="1.0" encoding="utf-8"?>
-<p:sld xmlns:a="http://schemas.openxmlformats.org/drawingml/2006/main" xmlns:r="http://schemas.openxmlformats.org/officeDocument/2006/relationships" xmlns:p="http://schemas.openxmlformats.org/presentationml/2006/main">
-  <p:cSld>
-    <p:spTree>
-      <p:nvGrpSpPr>
-        <p:cNvPr id="1" name=""/>
-        <p:cNvGrpSpPr/>
-        <p:nvPr/>
-      </p:nvGrpSpPr>
-      <p:grpSpPr>
-        <a:xfrm>
-          <a:off x="0" y="0"/>
-          <a:ext cx="0" cy="0"/>
-          <a:chOff x="0" y="0"/>
-          <a:chExt cx="0" cy="0"/>
-        </a:xfrm>
-      </p:grpSpPr>
-      <p:sp>
-        <p:nvSpPr>
-          <p:cNvPr id="3" name="文本框 2">
-            <a:extLst>
-              <a:ext uri="{FF2B5EF4-FFF2-40B4-BE49-F238E27FC236}">
-                <a16:creationId xmlns:a16="http://schemas.microsoft.com/office/drawing/2014/main" id="{CC1DEA7A-E0A6-D2FA-77F1-333CD6EB3507}"/>
-              </a:ext>
-            </a:extLst>
-          </p:cNvPr>
-          <p:cNvSpPr txBox="1"/>
-          <p:nvPr>
-            <p:custDataLst>
-              <p:tags r:id="rId1"/>
-            </p:custDataLst>
-          </p:nvPr>
-        </p:nvSpPr>
-        <p:spPr>
-          <a:xfrm>
-            <a:off x="4413151" y="307735"/>
-            <a:ext cx="5184576" cy="645160"/>
-          </a:xfrm>
-          <a:prstGeom prst="rect">
-            <a:avLst/>
-          </a:prstGeom>
-          <a:blipFill dpi="0" rotWithShape="1">
-            <a:blip r:embed="rId4">
-              <a:alphaModFix amt="0"/>
-            </a:blip>
-            <a:srcRect/>
-            <a:tile tx="0" ty="0" sx="100000" sy="100000" flip="none" algn="tl"/>
-          </a:blipFill>
-        </p:spPr>
-        <p:txBody>
-          <a:bodyPr wrap="square" rtlCol="0">
-            <a:noAutofit/>
-          </a:bodyPr>
-          <a:lstStyle>
-            <a:defPPr>
-              <a:defRPr lang="zh-CN"/>
-            </a:defPPr>
-            <a:lvl1pPr marL="0" algn="l" defTabSz="914400" rtl="0" eaLnBrk="1" latinLnBrk="0" hangingPunct="1">
-              <a:defRPr sz="1800" kern="1200">
-                <a:solidFill>
-                  <a:sysClr val="windowText" lastClr="000000"/>
-                </a:solidFill>
-                <a:latin typeface="Arial" panose="020B0604020202020204" pitchFamily="34" charset="0"/>
-                <a:ea typeface="微软雅黑" panose="020B0503020204020204" pitchFamily="34" charset="-122"/>
-                <a:cs typeface="+mn-ea"/>
-              </a:defRPr>
-            </a:lvl1pPr>
-            <a:lvl2pPr marL="457200" algn="l" defTabSz="914400" rtl="0" eaLnBrk="1" latinLnBrk="0" hangingPunct="1">
-              <a:defRPr sz="1800" kern="1200">
-                <a:solidFill>
-                  <a:sysClr val="windowText" lastClr="000000"/>
-                </a:solidFill>
-                <a:latin typeface="Arial" panose="020B0604020202020204" pitchFamily="34" charset="0"/>
-                <a:ea typeface="微软雅黑" panose="020B0503020204020204" pitchFamily="34" charset="-122"/>
-                <a:cs typeface="+mn-ea"/>
-              </a:defRPr>
-            </a:lvl2pPr>
-            <a:lvl3pPr marL="914400" algn="l" defTabSz="914400" rtl="0" eaLnBrk="1" latinLnBrk="0" hangingPunct="1">
-              <a:defRPr sz="1800" kern="1200">
-                <a:solidFill>
-                  <a:sysClr val="windowText" lastClr="000000"/>
-                </a:solidFill>
-                <a:latin typeface="Arial" panose="020B0604020202020204" pitchFamily="34" charset="0"/>
-                <a:ea typeface="微软雅黑" panose="020B0503020204020204" pitchFamily="34" charset="-122"/>
-                <a:cs typeface="+mn-ea"/>
-              </a:defRPr>
-            </a:lvl3pPr>
-            <a:lvl4pPr marL="1371600" algn="l" defTabSz="914400" rtl="0" eaLnBrk="1" latinLnBrk="0" hangingPunct="1">
-              <a:defRPr sz="1800" kern="1200">
-                <a:solidFill>
-                  <a:sysClr val="windowText" lastClr="000000"/>
-                </a:solidFill>
-                <a:latin typeface="Arial" panose="020B0604020202020204" pitchFamily="34" charset="0"/>
-                <a:ea typeface="微软雅黑" panose="020B0503020204020204" pitchFamily="34" charset="-122"/>
-                <a:cs typeface="+mn-ea"/>
-              </a:defRPr>
-            </a:lvl4pPr>
-            <a:lvl5pPr marL="1828800" algn="l" defTabSz="914400" rtl="0" eaLnBrk="1" latinLnBrk="0" hangingPunct="1">
-              <a:defRPr sz="1800" kern="1200">
-                <a:solidFill>
-                  <a:sysClr val="windowText" lastClr="000000"/>
-                </a:solidFill>
-                <a:latin typeface="Arial" panose="020B0604020202020204" pitchFamily="34" charset="0"/>
-                <a:ea typeface="微软雅黑" panose="020B0503020204020204" pitchFamily="34" charset="-122"/>
-                <a:cs typeface="+mn-ea"/>
-              </a:defRPr>
-            </a:lvl5pPr>
-            <a:lvl6pPr marL="2286000" algn="l" defTabSz="914400" rtl="0" eaLnBrk="1" latinLnBrk="0" hangingPunct="1">
-              <a:defRPr sz="1800" kern="1200">
-                <a:solidFill>
-                  <a:sysClr val="windowText" lastClr="000000"/>
-                </a:solidFill>
-                <a:latin typeface="Arial" panose="020B0604020202020204" pitchFamily="34" charset="0"/>
-                <a:ea typeface="微软雅黑" panose="020B0503020204020204" pitchFamily="34" charset="-122"/>
-                <a:cs typeface="+mn-ea"/>
-              </a:defRPr>
-            </a:lvl6pPr>
-            <a:lvl7pPr marL="2743200" algn="l" defTabSz="914400" rtl="0" eaLnBrk="1" latinLnBrk="0" hangingPunct="1">
-              <a:defRPr sz="1800" kern="1200">
-                <a:solidFill>
-                  <a:sysClr val="windowText" lastClr="000000"/>
-                </a:solidFill>
-                <a:latin typeface="Arial" panose="020B0604020202020204" pitchFamily="34" charset="0"/>
-                <a:ea typeface="微软雅黑" panose="020B0503020204020204" pitchFamily="34" charset="-122"/>
-                <a:cs typeface="+mn-ea"/>
-              </a:defRPr>
-            </a:lvl7pPr>
-            <a:lvl8pPr marL="3200400" algn="l" defTabSz="914400" rtl="0" eaLnBrk="1" latinLnBrk="0" hangingPunct="1">
-              <a:defRPr sz="1800" kern="1200">
-                <a:solidFill>
-                  <a:sysClr val="windowText" lastClr="000000"/>
-                </a:solidFill>
-                <a:latin typeface="Arial" panose="020B0604020202020204" pitchFamily="34" charset="0"/>
-                <a:ea typeface="微软雅黑" panose="020B0503020204020204" pitchFamily="34" charset="-122"/>
-                <a:cs typeface="+mn-ea"/>
-              </a:defRPr>
-            </a:lvl8pPr>
-            <a:lvl9pPr marL="3657600" algn="l" defTabSz="914400" rtl="0" eaLnBrk="1" latinLnBrk="0" hangingPunct="1">
-              <a:defRPr sz="1800" kern="1200">
-                <a:solidFill>
-                  <a:sysClr val="windowText" lastClr="000000"/>
-                </a:solidFill>
-                <a:latin typeface="Arial" panose="020B0604020202020204" pitchFamily="34" charset="0"/>
-                <a:ea typeface="微软雅黑" panose="020B0503020204020204" pitchFamily="34" charset="-122"/>
-                <a:cs typeface="+mn-ea"/>
-              </a:defRPr>
-            </a:lvl9pPr>
-          </a:lstStyle>
-          <a:p>
-            <a:r>
-              <a:rPr lang="en-US" altLang="zh-CN" sz="3200" b="1" dirty="0">
-                <a:latin typeface="Times New Roman" panose="02020603050405020304" pitchFamily="18" charset="0"/>
-                <a:cs typeface="Times New Roman" panose="02020603050405020304" pitchFamily="18" charset="0"/>
-                <a:sym typeface="微软雅黑" panose="020B0503020204020204" pitchFamily="34" charset="-122"/>
-              </a:rPr>
-              <a:t>ChatGLM3-6B</a:t>
-            </a:r>
-            <a:r>
-              <a:rPr lang="zh-CN" altLang="en-US" sz="3200" b="1" dirty="0">
-                <a:latin typeface="Times New Roman" panose="02020603050405020304" pitchFamily="18" charset="0"/>
-                <a:cs typeface="Times New Roman" panose="02020603050405020304" pitchFamily="18" charset="0"/>
-                <a:sym typeface="微软雅黑" panose="020B0503020204020204" pitchFamily="34" charset="-122"/>
-              </a:rPr>
-              <a:t>测试总结</a:t>
-            </a:r>
-            <a:endParaRPr lang="zh-CN" altLang="en-US" sz="3200" b="1" dirty="0">
-              <a:latin typeface="Times New Roman" panose="02020603050405020304" pitchFamily="18" charset="0"/>
-              <a:cs typeface="Times New Roman" panose="02020603050405020304" pitchFamily="18" charset="0"/>
-            </a:endParaRPr>
-          </a:p>
-        </p:txBody>
-      </p:sp>
-      <p:pic>
-        <p:nvPicPr>
-          <p:cNvPr id="6" name="图片 5">
-            <a:extLst>
-              <a:ext uri="{FF2B5EF4-FFF2-40B4-BE49-F238E27FC236}">
-                <a16:creationId xmlns:a16="http://schemas.microsoft.com/office/drawing/2014/main" id="{8DE9098D-094A-AAC0-650D-1C81B377EAE2}"/>
-              </a:ext>
-            </a:extLst>
-          </p:cNvPr>
-          <p:cNvPicPr>
-            <a:picLocks noChangeAspect="1"/>
-          </p:cNvPicPr>
-          <p:nvPr/>
-        </p:nvPicPr>
-        <p:blipFill>
-          <a:blip r:embed="rId5">
-            <a:extLst>
-              <a:ext uri="{28A0092B-C50C-407E-A947-70E740481C1C}">
-                <a14:useLocalDpi xmlns:a14="http://schemas.microsoft.com/office/drawing/2010/main" val="0"/>
-              </a:ext>
-            </a:extLst>
-          </a:blip>
-          <a:stretch>
-            <a:fillRect/>
-          </a:stretch>
-        </p:blipFill>
-        <p:spPr>
-          <a:xfrm>
-            <a:off x="1028774" y="3643807"/>
-            <a:ext cx="11065199" cy="2103302"/>
-          </a:xfrm>
-          <a:prstGeom prst="rect">
-            <a:avLst/>
-          </a:prstGeom>
-        </p:spPr>
-      </p:pic>
-      <p:pic>
-        <p:nvPicPr>
-          <p:cNvPr id="4" name="图片 3">
-            <a:extLst>
-              <a:ext uri="{FF2B5EF4-FFF2-40B4-BE49-F238E27FC236}">
-                <a16:creationId xmlns:a16="http://schemas.microsoft.com/office/drawing/2014/main" id="{BE8C2FA5-B85F-069B-E288-AF762D425BD7}"/>
-              </a:ext>
-            </a:extLst>
-          </p:cNvPr>
-          <p:cNvPicPr>
-            <a:picLocks noChangeAspect="1"/>
-          </p:cNvPicPr>
-          <p:nvPr/>
-        </p:nvPicPr>
-        <p:blipFill>
-          <a:blip r:embed="rId6">
-            <a:extLst>
-              <a:ext uri="{28A0092B-C50C-407E-A947-70E740481C1C}">
-                <a14:useLocalDpi xmlns:a14="http://schemas.microsoft.com/office/drawing/2010/main" val="0"/>
-              </a:ext>
-            </a:extLst>
-          </a:blip>
-          <a:stretch>
-            <a:fillRect/>
-          </a:stretch>
-        </p:blipFill>
-        <p:spPr>
-          <a:xfrm>
-            <a:off x="960189" y="6027586"/>
-            <a:ext cx="11202371" cy="1082134"/>
-          </a:xfrm>
-          <a:prstGeom prst="rect">
-            <a:avLst/>
-          </a:prstGeom>
-        </p:spPr>
-      </p:pic>
-      <p:sp>
-        <p:nvSpPr>
-          <p:cNvPr id="7" name="文本框 6">
-            <a:extLst>
-              <a:ext uri="{FF2B5EF4-FFF2-40B4-BE49-F238E27FC236}">
-                <a16:creationId xmlns:a16="http://schemas.microsoft.com/office/drawing/2014/main" id="{4ECEC9AF-589B-6878-552B-7AD38E76217A}"/>
-              </a:ext>
-            </a:extLst>
-          </p:cNvPr>
-          <p:cNvSpPr txBox="1"/>
-          <p:nvPr/>
-        </p:nvSpPr>
-        <p:spPr>
-          <a:xfrm>
-            <a:off x="896776" y="1093133"/>
-            <a:ext cx="11065198" cy="2243050"/>
-          </a:xfrm>
-          <a:prstGeom prst="rect">
-            <a:avLst/>
-          </a:prstGeom>
-          <a:noFill/>
-        </p:spPr>
-        <p:txBody>
-          <a:bodyPr wrap="square">
-            <a:spAutoFit/>
-          </a:bodyPr>
-          <a:lstStyle/>
-          <a:p>
-            <a:pPr algn="just">
-              <a:lnSpc>
-                <a:spcPct val="150000"/>
-              </a:lnSpc>
-            </a:pPr>
-            <a:r>
-              <a:rPr lang="zh-CN" altLang="en-US" sz="2400" dirty="0">
-                <a:latin typeface="微软雅黑" panose="020B0503020204020204" pitchFamily="34" charset="-122"/>
-                <a:ea typeface="微软雅黑" panose="020B0503020204020204" pitchFamily="34" charset="-122"/>
-              </a:rPr>
-              <a:t>① 知识分类组织时，</a:t>
-            </a:r>
-            <a:r>
-              <a:rPr lang="en-US" altLang="zh-CN" sz="2400" dirty="0">
-                <a:latin typeface="微软雅黑" panose="020B0503020204020204" pitchFamily="34" charset="-122"/>
-                <a:ea typeface="微软雅黑" panose="020B0503020204020204" pitchFamily="34" charset="-122"/>
-              </a:rPr>
-              <a:t>prompt</a:t>
-            </a:r>
-            <a:r>
-              <a:rPr lang="zh-CN" altLang="en-US" sz="2400" dirty="0">
-                <a:latin typeface="微软雅黑" panose="020B0503020204020204" pitchFamily="34" charset="-122"/>
-                <a:ea typeface="微软雅黑" panose="020B0503020204020204" pitchFamily="34" charset="-122"/>
-              </a:rPr>
-              <a:t>需要提示很强的约束，比如将问题放在摘要后面 、需要二次提示只选择一个场景 </a:t>
-            </a:r>
-            <a:endParaRPr lang="en-US" altLang="zh-CN" sz="2400" dirty="0">
-              <a:latin typeface="微软雅黑" panose="020B0503020204020204" pitchFamily="34" charset="-122"/>
-              <a:ea typeface="微软雅黑" panose="020B0503020204020204" pitchFamily="34" charset="-122"/>
-            </a:endParaRPr>
-          </a:p>
-          <a:p>
-            <a:pPr algn="just">
-              <a:lnSpc>
-                <a:spcPct val="150000"/>
-              </a:lnSpc>
-            </a:pPr>
-            <a:r>
-              <a:rPr lang="zh-CN" altLang="en-US" sz="2400" dirty="0">
-                <a:latin typeface="微软雅黑" panose="020B0503020204020204" pitchFamily="34" charset="-122"/>
-                <a:ea typeface="微软雅黑" panose="020B0503020204020204" pitchFamily="34" charset="-122"/>
-              </a:rPr>
-              <a:t>② 无法精准确定疾病，如将疾病总结为any type of cancer</a:t>
-            </a:r>
-            <a:endParaRPr lang="en-US" altLang="zh-CN" sz="2400" dirty="0">
-              <a:latin typeface="微软雅黑" panose="020B0503020204020204" pitchFamily="34" charset="-122"/>
-              <a:ea typeface="微软雅黑" panose="020B0503020204020204" pitchFamily="34" charset="-122"/>
-            </a:endParaRPr>
-          </a:p>
-          <a:p>
-            <a:pPr algn="just">
-              <a:lnSpc>
-                <a:spcPct val="150000"/>
-              </a:lnSpc>
-            </a:pPr>
-            <a:r>
-              <a:rPr lang="zh-CN" altLang="en-US" sz="2400" dirty="0">
-                <a:latin typeface="微软雅黑" panose="020B0503020204020204" pitchFamily="34" charset="-122"/>
-                <a:ea typeface="微软雅黑" panose="020B0503020204020204" pitchFamily="34" charset="-122"/>
-              </a:rPr>
-              <a:t>③ 知识检索时正确率较差</a:t>
-            </a:r>
-          </a:p>
-        </p:txBody>
-      </p:sp>
-    </p:spTree>
-    <p:extLst>
-      <p:ext uri="{BB962C8B-B14F-4D97-AF65-F5344CB8AC3E}">
-        <p14:creationId xmlns:p14="http://schemas.microsoft.com/office/powerpoint/2010/main" val="3658292787"/>
-      </p:ext>
-    </p:extLst>
-  </p:cSld>
-  <p:clrMapOvr>
-    <a:masterClrMapping/>
-  </p:clrMapOvr>
-  <mc:AlternateContent xmlns:mc="http://schemas.openxmlformats.org/markup-compatibility/2006" xmlns:p14="http://schemas.microsoft.com/office/powerpoint/2010/main">
-    <mc:Choice Requires="p14">
-      <p:transition spd="slow" p14:dur="1400" advClick="0" advTm="2000">
-        <p14:ripple/>
-      </p:transition>
-    </mc:Choice>
-    <mc:Fallback xmlns="">
-      <p:transition spd="slow" advClick="0" advTm="2000">
-        <p:fade/>
-      </p:transition>
-    </mc:Fallback>
-  </mc:AlternateContent>
-</p:sld>
-</file>
-
-<file path=ppt/slides/slide5.xml><?xml version="1.0" encoding="utf-8"?>
-<p:sld xmlns:a="http://schemas.openxmlformats.org/drawingml/2006/main" xmlns:r="http://schemas.openxmlformats.org/officeDocument/2006/relationships" xmlns:p="http://schemas.openxmlformats.org/presentationml/2006/main">
-  <p:cSld>
-    <p:spTree>
-      <p:nvGrpSpPr>
-        <p:cNvPr id="1" name=""/>
-        <p:cNvGrpSpPr/>
-        <p:nvPr/>
-      </p:nvGrpSpPr>
-      <p:grpSpPr>
-        <a:xfrm>
-          <a:off x="0" y="0"/>
-          <a:ext cx="0" cy="0"/>
-          <a:chOff x="0" y="0"/>
-          <a:chExt cx="0" cy="0"/>
-        </a:xfrm>
-      </p:grpSpPr>
-      <p:pic>
-        <p:nvPicPr>
-          <p:cNvPr id="8" name="图片 7">
-            <a:extLst>
-              <a:ext uri="{FF2B5EF4-FFF2-40B4-BE49-F238E27FC236}">
-                <a16:creationId xmlns:a16="http://schemas.microsoft.com/office/drawing/2014/main" id="{89BCFF78-ECA7-30D7-1D70-C98C4021DC72}"/>
-              </a:ext>
-            </a:extLst>
-          </p:cNvPr>
-          <p:cNvPicPr>
-            <a:picLocks noChangeAspect="1"/>
-          </p:cNvPicPr>
-          <p:nvPr/>
-        </p:nvPicPr>
-        <p:blipFill>
-          <a:blip r:embed="rId4">
-            <a:extLst>
-              <a:ext uri="{28A0092B-C50C-407E-A947-70E740481C1C}">
-                <a14:useLocalDpi xmlns:a14="http://schemas.microsoft.com/office/drawing/2010/main" val="0"/>
-              </a:ext>
-            </a:extLst>
-          </a:blip>
-          <a:stretch>
-            <a:fillRect/>
-          </a:stretch>
-        </p:blipFill>
-        <p:spPr>
-          <a:xfrm>
-            <a:off x="1172791" y="3602045"/>
-            <a:ext cx="10825201" cy="2952328"/>
-          </a:xfrm>
-          <a:prstGeom prst="rect">
-            <a:avLst/>
-          </a:prstGeom>
-        </p:spPr>
-      </p:pic>
-      <p:sp>
-        <p:nvSpPr>
-          <p:cNvPr id="3" name="文本框 2">
-            <a:extLst>
-              <a:ext uri="{FF2B5EF4-FFF2-40B4-BE49-F238E27FC236}">
-                <a16:creationId xmlns:a16="http://schemas.microsoft.com/office/drawing/2014/main" id="{CC1DEA7A-E0A6-D2FA-77F1-333CD6EB3507}"/>
-              </a:ext>
-            </a:extLst>
-          </p:cNvPr>
-          <p:cNvSpPr txBox="1"/>
-          <p:nvPr>
-            <p:custDataLst>
-              <p:tags r:id="rId1"/>
-            </p:custDataLst>
-          </p:nvPr>
-        </p:nvSpPr>
-        <p:spPr>
-          <a:xfrm>
-            <a:off x="3020995" y="452193"/>
-            <a:ext cx="7128792" cy="645160"/>
-          </a:xfrm>
-          <a:prstGeom prst="rect">
-            <a:avLst/>
-          </a:prstGeom>
-          <a:blipFill dpi="0" rotWithShape="1">
-            <a:blip r:embed="rId5">
-              <a:alphaModFix amt="0"/>
-            </a:blip>
-            <a:srcRect/>
-            <a:tile tx="0" ty="0" sx="100000" sy="100000" flip="none" algn="tl"/>
-          </a:blipFill>
-        </p:spPr>
-        <p:txBody>
-          <a:bodyPr wrap="square" rtlCol="0">
-            <a:normAutofit fontScale="92500"/>
-          </a:bodyPr>
-          <a:lstStyle>
-            <a:defPPr>
-              <a:defRPr lang="zh-CN"/>
-            </a:defPPr>
-            <a:lvl1pPr marL="0" algn="l" defTabSz="914400" rtl="0" eaLnBrk="1" latinLnBrk="0" hangingPunct="1">
-              <a:defRPr sz="1800" kern="1200">
-                <a:solidFill>
-                  <a:sysClr val="windowText" lastClr="000000"/>
-                </a:solidFill>
-                <a:latin typeface="Arial" panose="020B0604020202020204" pitchFamily="34" charset="0"/>
-                <a:ea typeface="微软雅黑" panose="020B0503020204020204" pitchFamily="34" charset="-122"/>
-                <a:cs typeface="+mn-ea"/>
-              </a:defRPr>
-            </a:lvl1pPr>
-            <a:lvl2pPr marL="457200" algn="l" defTabSz="914400" rtl="0" eaLnBrk="1" latinLnBrk="0" hangingPunct="1">
-              <a:defRPr sz="1800" kern="1200">
-                <a:solidFill>
-                  <a:sysClr val="windowText" lastClr="000000"/>
-                </a:solidFill>
-                <a:latin typeface="Arial" panose="020B0604020202020204" pitchFamily="34" charset="0"/>
-                <a:ea typeface="微软雅黑" panose="020B0503020204020204" pitchFamily="34" charset="-122"/>
-                <a:cs typeface="+mn-ea"/>
-              </a:defRPr>
-            </a:lvl2pPr>
-            <a:lvl3pPr marL="914400" algn="l" defTabSz="914400" rtl="0" eaLnBrk="1" latinLnBrk="0" hangingPunct="1">
-              <a:defRPr sz="1800" kern="1200">
-                <a:solidFill>
-                  <a:sysClr val="windowText" lastClr="000000"/>
-                </a:solidFill>
-                <a:latin typeface="Arial" panose="020B0604020202020204" pitchFamily="34" charset="0"/>
-                <a:ea typeface="微软雅黑" panose="020B0503020204020204" pitchFamily="34" charset="-122"/>
-                <a:cs typeface="+mn-ea"/>
-              </a:defRPr>
-            </a:lvl3pPr>
-            <a:lvl4pPr marL="1371600" algn="l" defTabSz="914400" rtl="0" eaLnBrk="1" latinLnBrk="0" hangingPunct="1">
-              <a:defRPr sz="1800" kern="1200">
-                <a:solidFill>
-                  <a:sysClr val="windowText" lastClr="000000"/>
-                </a:solidFill>
-                <a:latin typeface="Arial" panose="020B0604020202020204" pitchFamily="34" charset="0"/>
-                <a:ea typeface="微软雅黑" panose="020B0503020204020204" pitchFamily="34" charset="-122"/>
-                <a:cs typeface="+mn-ea"/>
-              </a:defRPr>
-            </a:lvl4pPr>
-            <a:lvl5pPr marL="1828800" algn="l" defTabSz="914400" rtl="0" eaLnBrk="1" latinLnBrk="0" hangingPunct="1">
-              <a:defRPr sz="1800" kern="1200">
-                <a:solidFill>
-                  <a:sysClr val="windowText" lastClr="000000"/>
-                </a:solidFill>
-                <a:latin typeface="Arial" panose="020B0604020202020204" pitchFamily="34" charset="0"/>
-                <a:ea typeface="微软雅黑" panose="020B0503020204020204" pitchFamily="34" charset="-122"/>
-                <a:cs typeface="+mn-ea"/>
-              </a:defRPr>
-            </a:lvl5pPr>
-            <a:lvl6pPr marL="2286000" algn="l" defTabSz="914400" rtl="0" eaLnBrk="1" latinLnBrk="0" hangingPunct="1">
-              <a:defRPr sz="1800" kern="1200">
-                <a:solidFill>
-                  <a:sysClr val="windowText" lastClr="000000"/>
-                </a:solidFill>
-                <a:latin typeface="Arial" panose="020B0604020202020204" pitchFamily="34" charset="0"/>
-                <a:ea typeface="微软雅黑" panose="020B0503020204020204" pitchFamily="34" charset="-122"/>
-                <a:cs typeface="+mn-ea"/>
-              </a:defRPr>
-            </a:lvl6pPr>
-            <a:lvl7pPr marL="2743200" algn="l" defTabSz="914400" rtl="0" eaLnBrk="1" latinLnBrk="0" hangingPunct="1">
-              <a:defRPr sz="1800" kern="1200">
-                <a:solidFill>
-                  <a:sysClr val="windowText" lastClr="000000"/>
-                </a:solidFill>
-                <a:latin typeface="Arial" panose="020B0604020202020204" pitchFamily="34" charset="0"/>
-                <a:ea typeface="微软雅黑" panose="020B0503020204020204" pitchFamily="34" charset="-122"/>
-                <a:cs typeface="+mn-ea"/>
-              </a:defRPr>
-            </a:lvl7pPr>
-            <a:lvl8pPr marL="3200400" algn="l" defTabSz="914400" rtl="0" eaLnBrk="1" latinLnBrk="0" hangingPunct="1">
-              <a:defRPr sz="1800" kern="1200">
-                <a:solidFill>
-                  <a:sysClr val="windowText" lastClr="000000"/>
-                </a:solidFill>
-                <a:latin typeface="Arial" panose="020B0604020202020204" pitchFamily="34" charset="0"/>
-                <a:ea typeface="微软雅黑" panose="020B0503020204020204" pitchFamily="34" charset="-122"/>
-                <a:cs typeface="+mn-ea"/>
-              </a:defRPr>
-            </a:lvl8pPr>
-            <a:lvl9pPr marL="3657600" algn="l" defTabSz="914400" rtl="0" eaLnBrk="1" latinLnBrk="0" hangingPunct="1">
-              <a:defRPr sz="1800" kern="1200">
-                <a:solidFill>
-                  <a:sysClr val="windowText" lastClr="000000"/>
-                </a:solidFill>
-                <a:latin typeface="Arial" panose="020B0604020202020204" pitchFamily="34" charset="0"/>
-                <a:ea typeface="微软雅黑" panose="020B0503020204020204" pitchFamily="34" charset="-122"/>
-                <a:cs typeface="+mn-ea"/>
-              </a:defRPr>
-            </a:lvl9pPr>
-          </a:lstStyle>
-          <a:p>
-            <a:r>
-              <a:rPr lang="en-US" altLang="zh-CN" sz="3200" b="1" dirty="0">
-                <a:latin typeface="微软雅黑" panose="020B0503020204020204" pitchFamily="34" charset="-122"/>
-                <a:cs typeface="Times New Roman" panose="02020603050405020304" pitchFamily="18" charset="0"/>
-                <a:sym typeface="微软雅黑" panose="020B0503020204020204" pitchFamily="34" charset="-122"/>
-              </a:rPr>
-              <a:t>Meta-Llama-3-8B-Instruct</a:t>
-            </a:r>
-            <a:r>
-              <a:rPr lang="zh-CN" altLang="en-US" sz="3200" b="1" dirty="0">
-                <a:latin typeface="微软雅黑" panose="020B0503020204020204" pitchFamily="34" charset="-122"/>
-                <a:cs typeface="Times New Roman" panose="02020603050405020304" pitchFamily="18" charset="0"/>
-                <a:sym typeface="微软雅黑" panose="020B0503020204020204" pitchFamily="34" charset="-122"/>
-              </a:rPr>
-              <a:t>测试总结</a:t>
-            </a:r>
-            <a:endParaRPr lang="zh-CN" altLang="en-US" sz="3200" b="1" dirty="0">
-              <a:latin typeface="微软雅黑" panose="020B0503020204020204" pitchFamily="34" charset="-122"/>
-              <a:cs typeface="Times New Roman" panose="02020603050405020304" pitchFamily="18" charset="0"/>
-            </a:endParaRPr>
-          </a:p>
-        </p:txBody>
-      </p:sp>
-      <p:sp>
-        <p:nvSpPr>
-          <p:cNvPr id="2" name="文本框 1">
-            <a:extLst>
-              <a:ext uri="{FF2B5EF4-FFF2-40B4-BE49-F238E27FC236}">
-                <a16:creationId xmlns:a16="http://schemas.microsoft.com/office/drawing/2014/main" id="{FC12A893-1AC0-BDFA-0838-C37A073813F5}"/>
-              </a:ext>
-            </a:extLst>
-          </p:cNvPr>
-          <p:cNvSpPr txBox="1"/>
-          <p:nvPr/>
-        </p:nvSpPr>
-        <p:spPr>
-          <a:xfrm>
-            <a:off x="1028775" y="1225038"/>
-            <a:ext cx="11437255" cy="2243050"/>
-          </a:xfrm>
-          <a:prstGeom prst="rect">
-            <a:avLst/>
-          </a:prstGeom>
-          <a:noFill/>
-        </p:spPr>
-        <p:txBody>
-          <a:bodyPr wrap="square">
-            <a:spAutoFit/>
-          </a:bodyPr>
-          <a:lstStyle/>
-          <a:p>
-            <a:pPr>
-              <a:lnSpc>
-                <a:spcPct val="150000"/>
-              </a:lnSpc>
-            </a:pPr>
-            <a:r>
-              <a:rPr lang="zh-CN" altLang="en-US" sz="2400" dirty="0">
-                <a:latin typeface="微软雅黑" panose="020B0503020204020204" pitchFamily="34" charset="-122"/>
-                <a:ea typeface="微软雅黑" panose="020B0503020204020204" pitchFamily="34" charset="-122"/>
-              </a:rPr>
-              <a:t>① 以英文作为</a:t>
-            </a:r>
-            <a:r>
-              <a:rPr lang="en-US" altLang="zh-CN" sz="2400" dirty="0">
-                <a:latin typeface="微软雅黑" panose="020B0503020204020204" pitchFamily="34" charset="-122"/>
-                <a:ea typeface="微软雅黑" panose="020B0503020204020204" pitchFamily="34" charset="-122"/>
-              </a:rPr>
-              <a:t>prompt</a:t>
-            </a:r>
-            <a:r>
-              <a:rPr lang="zh-CN" altLang="en-US" sz="2400" dirty="0">
-                <a:latin typeface="微软雅黑" panose="020B0503020204020204" pitchFamily="34" charset="-122"/>
-                <a:ea typeface="微软雅黑" panose="020B0503020204020204" pitchFamily="34" charset="-122"/>
-              </a:rPr>
-              <a:t>的时候，围绕功能的测试良好。</a:t>
-            </a:r>
-            <a:endParaRPr lang="en-US" altLang="zh-CN" sz="2400" dirty="0">
-              <a:latin typeface="微软雅黑" panose="020B0503020204020204" pitchFamily="34" charset="-122"/>
-              <a:ea typeface="微软雅黑" panose="020B0503020204020204" pitchFamily="34" charset="-122"/>
-            </a:endParaRPr>
-          </a:p>
-          <a:p>
-            <a:pPr>
-              <a:lnSpc>
-                <a:spcPct val="150000"/>
-              </a:lnSpc>
-            </a:pPr>
-            <a:r>
-              <a:rPr lang="zh-CN" altLang="en-US" sz="2400" dirty="0">
-                <a:latin typeface="微软雅黑" panose="020B0503020204020204" pitchFamily="34" charset="-122"/>
-                <a:ea typeface="微软雅黑" panose="020B0503020204020204" pitchFamily="34" charset="-122"/>
-              </a:rPr>
-              <a:t>② 在部分分类任务上，会选择一些不存在的选项。</a:t>
-            </a:r>
-            <a:endParaRPr lang="en-US" altLang="zh-CN" sz="2400" dirty="0">
-              <a:latin typeface="微软雅黑" panose="020B0503020204020204" pitchFamily="34" charset="-122"/>
-              <a:ea typeface="微软雅黑" panose="020B0503020204020204" pitchFamily="34" charset="-122"/>
-            </a:endParaRPr>
-          </a:p>
-          <a:p>
-            <a:pPr>
-              <a:lnSpc>
-                <a:spcPct val="150000"/>
-              </a:lnSpc>
-            </a:pPr>
-            <a:r>
-              <a:rPr lang="zh-CN" altLang="en-US" sz="2400" dirty="0">
-                <a:latin typeface="微软雅黑" panose="020B0503020204020204" pitchFamily="34" charset="-122"/>
-                <a:ea typeface="微软雅黑" panose="020B0503020204020204" pitchFamily="34" charset="-122"/>
-              </a:rPr>
-              <a:t>③ 中文能力偏弱，出现：</a:t>
-            </a:r>
-            <a:r>
-              <a:rPr lang="en-US" altLang="zh-CN" sz="2400" dirty="0">
-                <a:latin typeface="微软雅黑" panose="020B0503020204020204" pitchFamily="34" charset="-122"/>
-                <a:ea typeface="微软雅黑" panose="020B0503020204020204" pitchFamily="34" charset="-122"/>
-              </a:rPr>
-              <a:t>1)</a:t>
-            </a:r>
-            <a:r>
-              <a:rPr lang="zh-CN" altLang="en-US" sz="2400" dirty="0">
-                <a:latin typeface="微软雅黑" panose="020B0503020204020204" pitchFamily="34" charset="-122"/>
-                <a:ea typeface="微软雅黑" panose="020B0503020204020204" pitchFamily="34" charset="-122"/>
-              </a:rPr>
-              <a:t>中文对话过程中突然转英文  </a:t>
-            </a:r>
-            <a:r>
-              <a:rPr lang="en-US" altLang="zh-CN" sz="2400" dirty="0">
-                <a:latin typeface="微软雅黑" panose="020B0503020204020204" pitchFamily="34" charset="-122"/>
-                <a:ea typeface="微软雅黑" panose="020B0503020204020204" pitchFamily="34" charset="-122"/>
-              </a:rPr>
-              <a:t>2)</a:t>
-            </a:r>
-            <a:r>
-              <a:rPr lang="zh-CN" altLang="en-US" sz="2400" dirty="0">
-                <a:latin typeface="微软雅黑" panose="020B0503020204020204" pitchFamily="34" charset="-122"/>
-                <a:ea typeface="微软雅黑" panose="020B0503020204020204" pitchFamily="34" charset="-122"/>
-              </a:rPr>
-              <a:t>中文提问英文回答</a:t>
-            </a:r>
-            <a:r>
-              <a:rPr lang="en-US" altLang="zh-CN" sz="2400" dirty="0">
-                <a:latin typeface="微软雅黑" panose="020B0503020204020204" pitchFamily="34" charset="-122"/>
-                <a:ea typeface="微软雅黑" panose="020B0503020204020204" pitchFamily="34" charset="-122"/>
-              </a:rPr>
-              <a:t> 3)</a:t>
-            </a:r>
-            <a:r>
-              <a:rPr lang="zh-CN" altLang="en-US" sz="2400" dirty="0">
-                <a:latin typeface="微软雅黑" panose="020B0503020204020204" pitchFamily="34" charset="-122"/>
-                <a:ea typeface="微软雅黑" panose="020B0503020204020204" pitchFamily="34" charset="-122"/>
-              </a:rPr>
-              <a:t>知识问答拼音出错（如下图）</a:t>
-            </a:r>
-          </a:p>
-        </p:txBody>
-      </p:sp>
-    </p:spTree>
-    <p:extLst>
-      <p:ext uri="{BB962C8B-B14F-4D97-AF65-F5344CB8AC3E}">
-        <p14:creationId xmlns:p14="http://schemas.microsoft.com/office/powerpoint/2010/main" val="1515038809"/>
-      </p:ext>
-    </p:extLst>
-  </p:cSld>
-  <p:clrMapOvr>
-    <a:masterClrMapping/>
-  </p:clrMapOvr>
-  <mc:AlternateContent xmlns:mc="http://schemas.openxmlformats.org/markup-compatibility/2006" xmlns:p14="http://schemas.microsoft.com/office/powerpoint/2010/main">
-    <mc:Choice Requires="p14">
-      <p:transition spd="slow" p14:dur="1400" advClick="0" advTm="2000">
-        <p14:ripple/>
-      </p:transition>
-    </mc:Choice>
-    <mc:Fallback xmlns="">
-      <p:transition spd="slow" advClick="0" advTm="2000">
-        <p:fade/>
-      </p:transition>
-    </mc:Fallback>
-  </mc:AlternateContent>
-</p:sld>
-</file>
-
-<file path=ppt/slides/slide6.xml><?xml version="1.0" encoding="utf-8"?>
-<p:sld xmlns:a="http://schemas.openxmlformats.org/drawingml/2006/main" xmlns:r="http://schemas.openxmlformats.org/officeDocument/2006/relationships" xmlns:p="http://schemas.openxmlformats.org/presentationml/2006/main">
-  <p:cSld>
-    <p:spTree>
-      <p:nvGrpSpPr>
-        <p:cNvPr id="1" name=""/>
-        <p:cNvGrpSpPr/>
-        <p:nvPr/>
-      </p:nvGrpSpPr>
-      <p:grpSpPr>
-        <a:xfrm>
-          <a:off x="0" y="0"/>
-          <a:ext cx="0" cy="0"/>
-          <a:chOff x="0" y="0"/>
-          <a:chExt cx="0" cy="0"/>
-        </a:xfrm>
-      </p:grpSpPr>
-      <p:sp>
-        <p:nvSpPr>
-          <p:cNvPr id="2" name="文本框 1">
-            <a:extLst>
-              <a:ext uri="{FF2B5EF4-FFF2-40B4-BE49-F238E27FC236}">
-                <a16:creationId xmlns:a16="http://schemas.microsoft.com/office/drawing/2014/main" id="{11843B22-3B55-E903-937D-173F81F02513}"/>
-              </a:ext>
-            </a:extLst>
-          </p:cNvPr>
-          <p:cNvSpPr txBox="1"/>
-          <p:nvPr>
-            <p:custDataLst>
-              <p:tags r:id="rId1"/>
-            </p:custDataLst>
-          </p:nvPr>
-        </p:nvSpPr>
-        <p:spPr>
-          <a:xfrm>
-            <a:off x="1460823" y="518897"/>
-            <a:ext cx="9937104" cy="793172"/>
-          </a:xfrm>
-          <a:prstGeom prst="rect">
-            <a:avLst/>
-          </a:prstGeom>
-          <a:blipFill dpi="0" rotWithShape="1">
-            <a:blip r:embed="rId4">
-              <a:alphaModFix amt="0"/>
-            </a:blip>
-            <a:srcRect/>
-            <a:tile tx="0" ty="0" sx="100000" sy="100000" flip="none" algn="tl"/>
-          </a:blipFill>
-        </p:spPr>
-        <p:txBody>
-          <a:bodyPr wrap="square" rtlCol="0">
-            <a:noAutofit/>
-          </a:bodyPr>
-          <a:lstStyle>
-            <a:defPPr>
-              <a:defRPr lang="zh-CN"/>
-            </a:defPPr>
-            <a:lvl1pPr marL="0" algn="l" defTabSz="914400" rtl="0" eaLnBrk="1" latinLnBrk="0" hangingPunct="1">
-              <a:defRPr sz="1800" kern="1200">
-                <a:solidFill>
-                  <a:sysClr val="windowText" lastClr="000000"/>
-                </a:solidFill>
-                <a:latin typeface="Arial" panose="020B0604020202020204" pitchFamily="34" charset="0"/>
-                <a:ea typeface="微软雅黑" panose="020B0503020204020204" pitchFamily="34" charset="-122"/>
-                <a:cs typeface="+mn-ea"/>
-              </a:defRPr>
-            </a:lvl1pPr>
-            <a:lvl2pPr marL="457200" algn="l" defTabSz="914400" rtl="0" eaLnBrk="1" latinLnBrk="0" hangingPunct="1">
-              <a:defRPr sz="1800" kern="1200">
-                <a:solidFill>
-                  <a:sysClr val="windowText" lastClr="000000"/>
-                </a:solidFill>
-                <a:latin typeface="Arial" panose="020B0604020202020204" pitchFamily="34" charset="0"/>
-                <a:ea typeface="微软雅黑" panose="020B0503020204020204" pitchFamily="34" charset="-122"/>
-                <a:cs typeface="+mn-ea"/>
-              </a:defRPr>
-            </a:lvl2pPr>
-            <a:lvl3pPr marL="914400" algn="l" defTabSz="914400" rtl="0" eaLnBrk="1" latinLnBrk="0" hangingPunct="1">
-              <a:defRPr sz="1800" kern="1200">
-                <a:solidFill>
-                  <a:sysClr val="windowText" lastClr="000000"/>
-                </a:solidFill>
-                <a:latin typeface="Arial" panose="020B0604020202020204" pitchFamily="34" charset="0"/>
-                <a:ea typeface="微软雅黑" panose="020B0503020204020204" pitchFamily="34" charset="-122"/>
-                <a:cs typeface="+mn-ea"/>
-              </a:defRPr>
-            </a:lvl3pPr>
-            <a:lvl4pPr marL="1371600" algn="l" defTabSz="914400" rtl="0" eaLnBrk="1" latinLnBrk="0" hangingPunct="1">
-              <a:defRPr sz="1800" kern="1200">
-                <a:solidFill>
-                  <a:sysClr val="windowText" lastClr="000000"/>
-                </a:solidFill>
-                <a:latin typeface="Arial" panose="020B0604020202020204" pitchFamily="34" charset="0"/>
-                <a:ea typeface="微软雅黑" panose="020B0503020204020204" pitchFamily="34" charset="-122"/>
-                <a:cs typeface="+mn-ea"/>
-              </a:defRPr>
-            </a:lvl4pPr>
-            <a:lvl5pPr marL="1828800" algn="l" defTabSz="914400" rtl="0" eaLnBrk="1" latinLnBrk="0" hangingPunct="1">
-              <a:defRPr sz="1800" kern="1200">
-                <a:solidFill>
-                  <a:sysClr val="windowText" lastClr="000000"/>
-                </a:solidFill>
-                <a:latin typeface="Arial" panose="020B0604020202020204" pitchFamily="34" charset="0"/>
-                <a:ea typeface="微软雅黑" panose="020B0503020204020204" pitchFamily="34" charset="-122"/>
-                <a:cs typeface="+mn-ea"/>
-              </a:defRPr>
-            </a:lvl5pPr>
-            <a:lvl6pPr marL="2286000" algn="l" defTabSz="914400" rtl="0" eaLnBrk="1" latinLnBrk="0" hangingPunct="1">
-              <a:defRPr sz="1800" kern="1200">
-                <a:solidFill>
-                  <a:sysClr val="windowText" lastClr="000000"/>
-                </a:solidFill>
-                <a:latin typeface="Arial" panose="020B0604020202020204" pitchFamily="34" charset="0"/>
-                <a:ea typeface="微软雅黑" panose="020B0503020204020204" pitchFamily="34" charset="-122"/>
-                <a:cs typeface="+mn-ea"/>
-              </a:defRPr>
-            </a:lvl6pPr>
-            <a:lvl7pPr marL="2743200" algn="l" defTabSz="914400" rtl="0" eaLnBrk="1" latinLnBrk="0" hangingPunct="1">
-              <a:defRPr sz="1800" kern="1200">
-                <a:solidFill>
-                  <a:sysClr val="windowText" lastClr="000000"/>
-                </a:solidFill>
-                <a:latin typeface="Arial" panose="020B0604020202020204" pitchFamily="34" charset="0"/>
-                <a:ea typeface="微软雅黑" panose="020B0503020204020204" pitchFamily="34" charset="-122"/>
-                <a:cs typeface="+mn-ea"/>
-              </a:defRPr>
-            </a:lvl7pPr>
-            <a:lvl8pPr marL="3200400" algn="l" defTabSz="914400" rtl="0" eaLnBrk="1" latinLnBrk="0" hangingPunct="1">
-              <a:defRPr sz="1800" kern="1200">
-                <a:solidFill>
-                  <a:sysClr val="windowText" lastClr="000000"/>
-                </a:solidFill>
-                <a:latin typeface="Arial" panose="020B0604020202020204" pitchFamily="34" charset="0"/>
-                <a:ea typeface="微软雅黑" panose="020B0503020204020204" pitchFamily="34" charset="-122"/>
-                <a:cs typeface="+mn-ea"/>
-              </a:defRPr>
-            </a:lvl8pPr>
-            <a:lvl9pPr marL="3657600" algn="l" defTabSz="914400" rtl="0" eaLnBrk="1" latinLnBrk="0" hangingPunct="1">
-              <a:defRPr sz="1800" kern="1200">
-                <a:solidFill>
-                  <a:sysClr val="windowText" lastClr="000000"/>
-                </a:solidFill>
-                <a:latin typeface="Arial" panose="020B0604020202020204" pitchFamily="34" charset="0"/>
-                <a:ea typeface="微软雅黑" panose="020B0503020204020204" pitchFamily="34" charset="-122"/>
-                <a:cs typeface="+mn-ea"/>
-              </a:defRPr>
-            </a:lvl9pPr>
-          </a:lstStyle>
-          <a:p>
-            <a:r>
-              <a:rPr lang="en-US" altLang="zh-CN" sz="3200" b="1" dirty="0">
-                <a:latin typeface="微软雅黑" panose="020B0503020204020204" pitchFamily="34" charset="-122"/>
-                <a:cs typeface="Times New Roman" panose="02020603050405020304" pitchFamily="18" charset="0"/>
-                <a:sym typeface="微软雅黑" panose="020B0503020204020204" pitchFamily="34" charset="-122"/>
-              </a:rPr>
-              <a:t>Qwen1.5-7B-Chat</a:t>
-            </a:r>
-            <a:r>
-              <a:rPr lang="zh-CN" altLang="en-US" sz="3200" b="1" dirty="0">
-                <a:latin typeface="微软雅黑" panose="020B0503020204020204" pitchFamily="34" charset="-122"/>
-                <a:cs typeface="Times New Roman" panose="02020603050405020304" pitchFamily="18" charset="0"/>
-                <a:sym typeface="微软雅黑" panose="020B0503020204020204" pitchFamily="34" charset="-122"/>
-              </a:rPr>
-              <a:t>和</a:t>
-            </a:r>
-            <a:r>
-              <a:rPr lang="en-US" altLang="zh-CN" sz="3200" b="1" dirty="0">
-                <a:latin typeface="微软雅黑" panose="020B0503020204020204" pitchFamily="34" charset="-122"/>
-                <a:cs typeface="Times New Roman" panose="02020603050405020304" pitchFamily="18" charset="0"/>
-                <a:sym typeface="微软雅黑" panose="020B0503020204020204" pitchFamily="34" charset="-122"/>
-              </a:rPr>
-              <a:t>Qwen2-7B-Instruct</a:t>
-            </a:r>
-            <a:r>
-              <a:rPr lang="zh-CN" altLang="en-US" sz="3200" b="1" dirty="0">
-                <a:latin typeface="微软雅黑" panose="020B0503020204020204" pitchFamily="34" charset="-122"/>
-                <a:cs typeface="Times New Roman" panose="02020603050405020304" pitchFamily="18" charset="0"/>
-                <a:sym typeface="微软雅黑" panose="020B0503020204020204" pitchFamily="34" charset="-122"/>
-              </a:rPr>
-              <a:t>测试总结</a:t>
-            </a:r>
-            <a:endParaRPr lang="zh-CN" altLang="en-US" sz="3200" b="1" dirty="0">
-              <a:latin typeface="微软雅黑" panose="020B0503020204020204" pitchFamily="34" charset="-122"/>
-              <a:cs typeface="Times New Roman" panose="02020603050405020304" pitchFamily="18" charset="0"/>
-            </a:endParaRPr>
-          </a:p>
-        </p:txBody>
-      </p:sp>
-      <p:sp>
-        <p:nvSpPr>
-          <p:cNvPr id="3" name="文本框 2">
-            <a:extLst>
-              <a:ext uri="{FF2B5EF4-FFF2-40B4-BE49-F238E27FC236}">
-                <a16:creationId xmlns:a16="http://schemas.microsoft.com/office/drawing/2014/main" id="{A1A911FF-C940-9341-A74D-C26099F423CB}"/>
-              </a:ext>
-            </a:extLst>
-          </p:cNvPr>
-          <p:cNvSpPr txBox="1"/>
-          <p:nvPr/>
-        </p:nvSpPr>
-        <p:spPr>
-          <a:xfrm>
-            <a:off x="812751" y="1772290"/>
-            <a:ext cx="11437255" cy="1689052"/>
-          </a:xfrm>
-          <a:prstGeom prst="rect">
-            <a:avLst/>
-          </a:prstGeom>
-          <a:noFill/>
-        </p:spPr>
-        <p:txBody>
-          <a:bodyPr wrap="square">
-            <a:spAutoFit/>
-          </a:bodyPr>
-          <a:lstStyle/>
-          <a:p>
-            <a:pPr>
-              <a:lnSpc>
-                <a:spcPct val="150000"/>
-              </a:lnSpc>
-            </a:pPr>
-            <a:r>
-              <a:rPr lang="zh-CN" altLang="en-US" sz="2400" dirty="0">
-                <a:latin typeface="微软雅黑" panose="020B0503020204020204" pitchFamily="34" charset="-122"/>
-                <a:ea typeface="微软雅黑" panose="020B0503020204020204" pitchFamily="34" charset="-122"/>
-              </a:rPr>
-              <a:t>①知识组织分类：以英文作为</a:t>
-            </a:r>
-            <a:r>
-              <a:rPr lang="en-US" altLang="zh-CN" sz="2400" dirty="0">
-                <a:latin typeface="微软雅黑" panose="020B0503020204020204" pitchFamily="34" charset="-122"/>
-                <a:ea typeface="微软雅黑" panose="020B0503020204020204" pitchFamily="34" charset="-122"/>
-              </a:rPr>
-              <a:t>prompt</a:t>
-            </a:r>
-            <a:r>
-              <a:rPr lang="zh-CN" altLang="en-US" sz="2400" dirty="0">
-                <a:latin typeface="微软雅黑" panose="020B0503020204020204" pitchFamily="34" charset="-122"/>
-                <a:ea typeface="微软雅黑" panose="020B0503020204020204" pitchFamily="34" charset="-122"/>
-              </a:rPr>
-              <a:t>的时候，场景类别</a:t>
-            </a:r>
-            <a:r>
-              <a:rPr lang="en-US" altLang="zh-CN" sz="2400" dirty="0">
-                <a:latin typeface="微软雅黑" panose="020B0503020204020204" pitchFamily="34" charset="-122"/>
-                <a:ea typeface="微软雅黑" panose="020B0503020204020204" pitchFamily="34" charset="-122"/>
-              </a:rPr>
-              <a:t>top-2</a:t>
-            </a:r>
-            <a:r>
-              <a:rPr lang="zh-CN" altLang="en-US" sz="2400" dirty="0">
-                <a:latin typeface="微软雅黑" panose="020B0503020204020204" pitchFamily="34" charset="-122"/>
-                <a:ea typeface="微软雅黑" panose="020B0503020204020204" pitchFamily="34" charset="-122"/>
-              </a:rPr>
-              <a:t>分类首项会出错。</a:t>
-            </a:r>
-            <a:endParaRPr lang="en-US" altLang="zh-CN" sz="2400" dirty="0">
-              <a:latin typeface="微软雅黑" panose="020B0503020204020204" pitchFamily="34" charset="-122"/>
-              <a:ea typeface="微软雅黑" panose="020B0503020204020204" pitchFamily="34" charset="-122"/>
-            </a:endParaRPr>
-          </a:p>
-          <a:p>
-            <a:pPr>
-              <a:lnSpc>
-                <a:spcPct val="150000"/>
-              </a:lnSpc>
-            </a:pPr>
-            <a:r>
-              <a:rPr lang="zh-CN" altLang="en-US" sz="2400" dirty="0">
-                <a:latin typeface="微软雅黑" panose="020B0503020204020204" pitchFamily="34" charset="-122"/>
-                <a:ea typeface="微软雅黑" panose="020B0503020204020204" pitchFamily="34" charset="-122"/>
-              </a:rPr>
-              <a:t>②领域演化分析：倾向于对每一篇进行分析，总结部分内容不够充足。</a:t>
-            </a:r>
-            <a:endParaRPr lang="en-US" altLang="zh-CN" sz="2400" dirty="0">
-              <a:latin typeface="微软雅黑" panose="020B0503020204020204" pitchFamily="34" charset="-122"/>
-              <a:ea typeface="微软雅黑" panose="020B0503020204020204" pitchFamily="34" charset="-122"/>
-            </a:endParaRPr>
-          </a:p>
-          <a:p>
-            <a:pPr>
-              <a:lnSpc>
-                <a:spcPct val="150000"/>
-              </a:lnSpc>
-            </a:pPr>
-            <a:r>
-              <a:rPr lang="zh-CN" altLang="en-US" sz="2400" dirty="0">
-                <a:latin typeface="微软雅黑" panose="020B0503020204020204" pitchFamily="34" charset="-122"/>
-                <a:ea typeface="微软雅黑" panose="020B0503020204020204" pitchFamily="34" charset="-122"/>
-              </a:rPr>
-              <a:t>③回答会重复摘要并且还会进行一次概括，回答内容较长，不够简洁。</a:t>
-            </a:r>
-            <a:endParaRPr lang="en-US" altLang="zh-CN" sz="2400" dirty="0">
-              <a:latin typeface="微软雅黑" panose="020B0503020204020204" pitchFamily="34" charset="-122"/>
-              <a:ea typeface="微软雅黑" panose="020B0503020204020204" pitchFamily="34" charset="-122"/>
-            </a:endParaRPr>
-          </a:p>
-        </p:txBody>
-      </p:sp>
-      <p:sp>
-        <p:nvSpPr>
-          <p:cNvPr id="5" name="文本框 4">
-            <a:extLst>
-              <a:ext uri="{FF2B5EF4-FFF2-40B4-BE49-F238E27FC236}">
-                <a16:creationId xmlns:a16="http://schemas.microsoft.com/office/drawing/2014/main" id="{FA2F8D8E-4510-C695-43ED-4AB681EBF2D1}"/>
-              </a:ext>
-            </a:extLst>
-          </p:cNvPr>
-          <p:cNvSpPr txBox="1"/>
-          <p:nvPr/>
-        </p:nvSpPr>
-        <p:spPr>
-          <a:xfrm>
-            <a:off x="710747" y="3904357"/>
-            <a:ext cx="11437255" cy="2243050"/>
-          </a:xfrm>
-          <a:prstGeom prst="rect">
-            <a:avLst/>
-          </a:prstGeom>
-          <a:noFill/>
-        </p:spPr>
-        <p:txBody>
-          <a:bodyPr wrap="square">
-            <a:spAutoFit/>
-          </a:bodyPr>
-          <a:lstStyle/>
-          <a:p>
-            <a:pPr>
-              <a:lnSpc>
-                <a:spcPct val="150000"/>
-              </a:lnSpc>
-            </a:pPr>
-            <a:r>
-              <a:rPr lang="zh-CN" altLang="en-US" sz="2400" dirty="0">
-                <a:latin typeface="微软雅黑" panose="020B0503020204020204" pitchFamily="34" charset="-122"/>
-                <a:ea typeface="微软雅黑" panose="020B0503020204020204" pitchFamily="34" charset="-122"/>
-              </a:rPr>
-              <a:t>总体上，</a:t>
-            </a:r>
-            <a:r>
-              <a:rPr lang="en-US" altLang="zh-CN" sz="2400" dirty="0">
-                <a:latin typeface="微软雅黑" panose="020B0503020204020204" pitchFamily="34" charset="-122"/>
-                <a:ea typeface="微软雅黑" panose="020B0503020204020204" pitchFamily="34" charset="-122"/>
-                <a:cs typeface="Times New Roman" panose="02020603050405020304" pitchFamily="18" charset="0"/>
-                <a:sym typeface="微软雅黑" panose="020B0503020204020204" pitchFamily="34" charset="-122"/>
-              </a:rPr>
-              <a:t> Meta-Llama-3-8B-Instruct</a:t>
-            </a:r>
-            <a:r>
-              <a:rPr lang="zh-CN" altLang="en-US" sz="2400" dirty="0">
-                <a:latin typeface="微软雅黑" panose="020B0503020204020204" pitchFamily="34" charset="-122"/>
-                <a:ea typeface="微软雅黑" panose="020B0503020204020204" pitchFamily="34" charset="-122"/>
-                <a:cs typeface="Times New Roman" panose="02020603050405020304" pitchFamily="18" charset="0"/>
-                <a:sym typeface="微软雅黑" panose="020B0503020204020204" pitchFamily="34" charset="-122"/>
-              </a:rPr>
-              <a:t>和</a:t>
-            </a:r>
-            <a:r>
-              <a:rPr lang="en-US" altLang="zh-CN" sz="2400" dirty="0">
-                <a:latin typeface="微软雅黑" panose="020B0503020204020204" pitchFamily="34" charset="-122"/>
-                <a:ea typeface="微软雅黑" panose="020B0503020204020204" pitchFamily="34" charset="-122"/>
-                <a:cs typeface="Times New Roman" panose="02020603050405020304" pitchFamily="18" charset="0"/>
-                <a:sym typeface="微软雅黑" panose="020B0503020204020204" pitchFamily="34" charset="-122"/>
-              </a:rPr>
-              <a:t>Qwen2-7B-Instruct</a:t>
-            </a:r>
-            <a:r>
-              <a:rPr lang="zh-CN" altLang="en-US" sz="2400" dirty="0">
-                <a:latin typeface="微软雅黑" panose="020B0503020204020204" pitchFamily="34" charset="-122"/>
-                <a:ea typeface="微软雅黑" panose="020B0503020204020204" pitchFamily="34" charset="-122"/>
-                <a:cs typeface="Times New Roman" panose="02020603050405020304" pitchFamily="18" charset="0"/>
-                <a:sym typeface="微软雅黑" panose="020B0503020204020204" pitchFamily="34" charset="-122"/>
-              </a:rPr>
-              <a:t>在测试模型列表中表现较好。</a:t>
-            </a:r>
-            <a:endParaRPr lang="en-US" altLang="zh-CN" sz="2400" dirty="0">
-              <a:latin typeface="微软雅黑" panose="020B0503020204020204" pitchFamily="34" charset="-122"/>
-              <a:ea typeface="微软雅黑" panose="020B0503020204020204" pitchFamily="34" charset="-122"/>
-              <a:cs typeface="Times New Roman" panose="02020603050405020304" pitchFamily="18" charset="0"/>
-              <a:sym typeface="微软雅黑" panose="020B0503020204020204" pitchFamily="34" charset="-122"/>
-            </a:endParaRPr>
-          </a:p>
-          <a:p>
-            <a:pPr>
-              <a:lnSpc>
-                <a:spcPct val="150000"/>
-              </a:lnSpc>
-            </a:pPr>
-            <a:r>
-              <a:rPr lang="zh-CN" altLang="en-US" sz="2400" dirty="0">
-                <a:latin typeface="微软雅黑" panose="020B0503020204020204" pitchFamily="34" charset="-122"/>
-                <a:ea typeface="微软雅黑" panose="020B0503020204020204" pitchFamily="34" charset="-122"/>
-              </a:rPr>
-              <a:t>考虑到后续对话过程是英文文献</a:t>
-            </a:r>
-            <a:r>
-              <a:rPr lang="en-US" altLang="zh-CN" sz="2400" dirty="0">
-                <a:latin typeface="微软雅黑" panose="020B0503020204020204" pitchFamily="34" charset="-122"/>
-                <a:ea typeface="微软雅黑" panose="020B0503020204020204" pitchFamily="34" charset="-122"/>
-              </a:rPr>
-              <a:t>+</a:t>
-            </a:r>
-            <a:r>
-              <a:rPr lang="zh-CN" altLang="en-US" sz="2400" dirty="0">
-                <a:latin typeface="微软雅黑" panose="020B0503020204020204" pitchFamily="34" charset="-122"/>
-                <a:ea typeface="微软雅黑" panose="020B0503020204020204" pitchFamily="34" charset="-122"/>
-              </a:rPr>
-              <a:t>中文用户指令的形式，我们后续会基于</a:t>
-            </a:r>
-            <a:r>
-              <a:rPr lang="en-US" altLang="zh-CN" sz="2400" dirty="0">
-                <a:latin typeface="微软雅黑" panose="020B0503020204020204" pitchFamily="34" charset="-122"/>
-                <a:ea typeface="微软雅黑" panose="020B0503020204020204" pitchFamily="34" charset="-122"/>
-                <a:cs typeface="Times New Roman" panose="02020603050405020304" pitchFamily="18" charset="0"/>
-                <a:sym typeface="微软雅黑" panose="020B0503020204020204" pitchFamily="34" charset="-122"/>
-              </a:rPr>
-              <a:t>Qwen2-7B-Instruct</a:t>
-            </a:r>
-            <a:r>
-              <a:rPr lang="zh-CN" altLang="en-US" sz="2400" dirty="0">
-                <a:latin typeface="微软雅黑" panose="020B0503020204020204" pitchFamily="34" charset="-122"/>
-                <a:ea typeface="微软雅黑" panose="020B0503020204020204" pitchFamily="34" charset="-122"/>
-                <a:cs typeface="Times New Roman" panose="02020603050405020304" pitchFamily="18" charset="0"/>
-                <a:sym typeface="微软雅黑" panose="020B0503020204020204" pitchFamily="34" charset="-122"/>
-              </a:rPr>
-              <a:t>构造原型系统。</a:t>
-            </a:r>
-            <a:endParaRPr lang="en-US" altLang="zh-CN" sz="2400" dirty="0">
-              <a:latin typeface="微软雅黑" panose="020B0503020204020204" pitchFamily="34" charset="-122"/>
-              <a:ea typeface="微软雅黑" panose="020B0503020204020204" pitchFamily="34" charset="-122"/>
-            </a:endParaRPr>
-          </a:p>
-        </p:txBody>
-      </p:sp>
-    </p:spTree>
-    <p:extLst>
-      <p:ext uri="{BB962C8B-B14F-4D97-AF65-F5344CB8AC3E}">
-        <p14:creationId xmlns:p14="http://schemas.microsoft.com/office/powerpoint/2010/main" val="2166807190"/>
       </p:ext>
     </p:extLst>
   </p:cSld>
@@ -7737,78 +6852,6 @@
 </file>
 
 <file path=ppt/tags/tag4.xml><?xml version="1.0" encoding="utf-8"?>
-<p:tagLst xmlns:a="http://schemas.openxmlformats.org/drawingml/2006/main" xmlns:r="http://schemas.openxmlformats.org/officeDocument/2006/relationships" xmlns:p="http://schemas.openxmlformats.org/presentationml/2006/main">
-  <p:tag name="KSO_WM_UNIT_ISCONTENTSTITLE" val="0"/>
-  <p:tag name="KSO_WM_UNIT_NOCLEAR" val="0"/>
-  <p:tag name="KSO_WM_UNIT_VALUE" val="26"/>
-  <p:tag name="KSO_WM_UNIT_HIGHLIGHT" val="0"/>
-  <p:tag name="KSO_WM_UNIT_COMPATIBLE" val="0"/>
-  <p:tag name="KSO_WM_UNIT_DIAGRAM_ISNUMVISUAL" val="0"/>
-  <p:tag name="KSO_WM_UNIT_DIAGRAM_ISREFERUNIT" val="0"/>
-  <p:tag name="KSO_WM_DIAGRAM_GROUP_CODE" val="q1-1"/>
-  <p:tag name="KSO_WM_UNIT_TYPE" val="a"/>
-  <p:tag name="KSO_WM_UNIT_INDEX" val="1"/>
-  <p:tag name="KSO_WM_UNIT_ID" val="diagram20174812_1*a*1"/>
-  <p:tag name="KSO_WM_TEMPLATE_CATEGORY" val="diagram"/>
-  <p:tag name="KSO_WM_TEMPLATE_INDEX" val="20174812"/>
-  <p:tag name="KSO_WM_UNIT_LAYERLEVEL" val="1"/>
-  <p:tag name="KSO_WM_TAG_VERSION" val="1.0"/>
-  <p:tag name="KSO_WM_BEAUTIFY_FLAG" val="#wm#"/>
-  <p:tag name="KSO_WM_UNIT_PRESET_TEXT" val="单击此处添加标题"/>
-  <p:tag name="KSO_WM_UNIT_TEXT_FILL_FORE_SCHEMECOLOR_INDEX" val="13"/>
-  <p:tag name="KSO_WM_UNIT_TEXT_FILL_TYPE" val="1"/>
-</p:tagLst>
-</file>
-
-<file path=ppt/tags/tag5.xml><?xml version="1.0" encoding="utf-8"?>
-<p:tagLst xmlns:a="http://schemas.openxmlformats.org/drawingml/2006/main" xmlns:r="http://schemas.openxmlformats.org/officeDocument/2006/relationships" xmlns:p="http://schemas.openxmlformats.org/presentationml/2006/main">
-  <p:tag name="KSO_WM_UNIT_ISCONTENTSTITLE" val="0"/>
-  <p:tag name="KSO_WM_UNIT_NOCLEAR" val="0"/>
-  <p:tag name="KSO_WM_UNIT_VALUE" val="26"/>
-  <p:tag name="KSO_WM_UNIT_HIGHLIGHT" val="0"/>
-  <p:tag name="KSO_WM_UNIT_COMPATIBLE" val="0"/>
-  <p:tag name="KSO_WM_UNIT_DIAGRAM_ISNUMVISUAL" val="0"/>
-  <p:tag name="KSO_WM_UNIT_DIAGRAM_ISREFERUNIT" val="0"/>
-  <p:tag name="KSO_WM_DIAGRAM_GROUP_CODE" val="q1-1"/>
-  <p:tag name="KSO_WM_UNIT_TYPE" val="a"/>
-  <p:tag name="KSO_WM_UNIT_INDEX" val="1"/>
-  <p:tag name="KSO_WM_UNIT_ID" val="diagram20174812_1*a*1"/>
-  <p:tag name="KSO_WM_TEMPLATE_CATEGORY" val="diagram"/>
-  <p:tag name="KSO_WM_TEMPLATE_INDEX" val="20174812"/>
-  <p:tag name="KSO_WM_UNIT_LAYERLEVEL" val="1"/>
-  <p:tag name="KSO_WM_TAG_VERSION" val="1.0"/>
-  <p:tag name="KSO_WM_BEAUTIFY_FLAG" val="#wm#"/>
-  <p:tag name="KSO_WM_UNIT_PRESET_TEXT" val="单击此处添加标题"/>
-  <p:tag name="KSO_WM_UNIT_TEXT_FILL_FORE_SCHEMECOLOR_INDEX" val="13"/>
-  <p:tag name="KSO_WM_UNIT_TEXT_FILL_TYPE" val="1"/>
-</p:tagLst>
-</file>
-
-<file path=ppt/tags/tag6.xml><?xml version="1.0" encoding="utf-8"?>
-<p:tagLst xmlns:a="http://schemas.openxmlformats.org/drawingml/2006/main" xmlns:r="http://schemas.openxmlformats.org/officeDocument/2006/relationships" xmlns:p="http://schemas.openxmlformats.org/presentationml/2006/main">
-  <p:tag name="KSO_WM_UNIT_ISCONTENTSTITLE" val="0"/>
-  <p:tag name="KSO_WM_UNIT_NOCLEAR" val="0"/>
-  <p:tag name="KSO_WM_UNIT_VALUE" val="26"/>
-  <p:tag name="KSO_WM_UNIT_HIGHLIGHT" val="0"/>
-  <p:tag name="KSO_WM_UNIT_COMPATIBLE" val="0"/>
-  <p:tag name="KSO_WM_UNIT_DIAGRAM_ISNUMVISUAL" val="0"/>
-  <p:tag name="KSO_WM_UNIT_DIAGRAM_ISREFERUNIT" val="0"/>
-  <p:tag name="KSO_WM_DIAGRAM_GROUP_CODE" val="q1-1"/>
-  <p:tag name="KSO_WM_UNIT_TYPE" val="a"/>
-  <p:tag name="KSO_WM_UNIT_INDEX" val="1"/>
-  <p:tag name="KSO_WM_UNIT_ID" val="diagram20174812_1*a*1"/>
-  <p:tag name="KSO_WM_TEMPLATE_CATEGORY" val="diagram"/>
-  <p:tag name="KSO_WM_TEMPLATE_INDEX" val="20174812"/>
-  <p:tag name="KSO_WM_UNIT_LAYERLEVEL" val="1"/>
-  <p:tag name="KSO_WM_TAG_VERSION" val="1.0"/>
-  <p:tag name="KSO_WM_BEAUTIFY_FLAG" val="#wm#"/>
-  <p:tag name="KSO_WM_UNIT_PRESET_TEXT" val="单击此处添加标题"/>
-  <p:tag name="KSO_WM_UNIT_TEXT_FILL_FORE_SCHEMECOLOR_INDEX" val="13"/>
-  <p:tag name="KSO_WM_UNIT_TEXT_FILL_TYPE" val="1"/>
-</p:tagLst>
-</file>
-
-<file path=ppt/tags/tag7.xml><?xml version="1.0" encoding="utf-8"?>
 <p:tagLst xmlns:a="http://schemas.openxmlformats.org/drawingml/2006/main" xmlns:r="http://schemas.openxmlformats.org/officeDocument/2006/relationships" xmlns:p="http://schemas.openxmlformats.org/presentationml/2006/main">
   <p:tag name="KSO_WM_UNIT_ISCONTENTSTITLE" val="0"/>
   <p:tag name="KSO_WM_UNIT_NOCLEAR" val="0"/>
